--- a/docu/CLIQZ for Firefox - garage0.51.pptx
+++ b/docu/CLIQZ for Firefox - garage0.51.pptx
@@ -5,7 +5,7 @@
     <p:sldMasterId id="2147483648" r:id="rId1"/>
   </p:sldMasterIdLst>
   <p:notesMasterIdLst>
-    <p:notesMasterId r:id="rId9"/>
+    <p:notesMasterId r:id="rId10"/>
   </p:notesMasterIdLst>
   <p:sldIdLst>
     <p:sldId id="256" r:id="rId2"/>
@@ -14,7 +14,8 @@
     <p:sldId id="263" r:id="rId5"/>
     <p:sldId id="268" r:id="rId6"/>
     <p:sldId id="270" r:id="rId7"/>
-    <p:sldId id="277" r:id="rId8"/>
+    <p:sldId id="284" r:id="rId8"/>
+    <p:sldId id="277" r:id="rId9"/>
   </p:sldIdLst>
   <p:sldSz cx="13004800" cy="9753600"/>
   <p:notesSz cx="6858000" cy="9144000"/>
@@ -5079,7 +5080,7 @@
       </p:grpSpPr>
       <p:pic>
         <p:nvPicPr>
-          <p:cNvPr id="2" name="Picture 1" descr="extensionnavigation_architecture.png"/>
+          <p:cNvPr id="5" name="Picture 4" descr="extensionnavigation_architecture.png"/>
           <p:cNvPicPr>
             <a:picLocks noChangeAspect="1"/>
           </p:cNvPicPr>
@@ -5099,8 +5100,8 @@
         </p:blipFill>
         <p:spPr>
           <a:xfrm>
-            <a:off x="1761964" y="813670"/>
-            <a:ext cx="9711290" cy="8947084"/>
+            <a:off x="114062" y="0"/>
+            <a:ext cx="11414554" cy="9765281"/>
           </a:xfrm>
           <a:prstGeom prst="rect">
             <a:avLst/>
@@ -5115,8 +5116,8 @@
         </p:nvSpPr>
         <p:spPr>
           <a:xfrm>
-            <a:off x="5221054" y="239924"/>
-            <a:ext cx="2617262" cy="656590"/>
+            <a:off x="9325229" y="166639"/>
+            <a:ext cx="3176078" cy="779701"/>
           </a:xfrm>
           <a:prstGeom prst="rect">
             <a:avLst/>
@@ -5163,7 +5164,7 @@
               <a:tabLst/>
             </a:pPr>
             <a:r>
-              <a:rPr kumimoji="0" lang="en-US" sz="3600" b="0" i="0" u="none" strike="noStrike" cap="none" spc="0" normalizeH="0" baseline="0" dirty="0" smtClean="0">
+              <a:rPr kumimoji="0" lang="en-US" sz="4400" b="1" i="0" u="none" strike="noStrike" cap="none" spc="0" normalizeH="0" baseline="0" dirty="0" smtClean="0">
                 <a:ln>
                   <a:noFill/>
                 </a:ln>
@@ -5179,7 +5180,7 @@
               </a:rPr>
               <a:t>Architecture</a:t>
             </a:r>
-            <a:endParaRPr kumimoji="0" lang="en-US" sz="3600" b="0" i="0" u="none" strike="noStrike" cap="none" spc="0" normalizeH="0" baseline="0" dirty="0">
+            <a:endParaRPr kumimoji="0" lang="en-US" sz="4400" b="1" i="0" u="none" strike="noStrike" cap="none" spc="0" normalizeH="0" baseline="0" dirty="0">
               <a:ln>
                 <a:noFill/>
               </a:ln>
@@ -5258,7 +5259,401 @@
       </p:pic>
       <p:pic>
         <p:nvPicPr>
-          <p:cNvPr id="125" name="pasted-image.png"/>
+          <p:cNvPr id="126" name="Screen Shot 2015-03-03 at 07.44.54.png"/>
+          <p:cNvPicPr/>
+          <p:nvPr/>
+        </p:nvPicPr>
+        <p:blipFill>
+          <a:blip r:embed="rId3">
+            <a:extLst/>
+          </a:blip>
+          <a:stretch>
+            <a:fillRect/>
+          </a:stretch>
+        </p:blipFill>
+        <p:spPr>
+          <a:xfrm>
+            <a:off x="1830772" y="511658"/>
+            <a:ext cx="5190518" cy="417329"/>
+          </a:xfrm>
+          <a:prstGeom prst="rect">
+            <a:avLst/>
+          </a:prstGeom>
+          <a:ln w="25400">
+            <a:miter lim="400000"/>
+          </a:ln>
+          <a:effectLst>
+            <a:outerShdw blurRad="254000" dist="127000" dir="5400000" rotWithShape="0">
+              <a:srgbClr val="000000">
+                <a:alpha val="70000"/>
+              </a:srgbClr>
+            </a:outerShdw>
+          </a:effectLst>
+        </p:spPr>
+      </p:pic>
+      <p:pic>
+        <p:nvPicPr>
+          <p:cNvPr id="128" name="Picture 127"/>
+          <p:cNvPicPr/>
+          <p:nvPr/>
+        </p:nvPicPr>
+        <p:blipFill>
+          <a:blip r:embed="rId4">
+            <a:extLst/>
+          </a:blip>
+          <a:stretch>
+            <a:fillRect/>
+          </a:stretch>
+        </p:blipFill>
+        <p:spPr>
+          <a:xfrm rot="5400000">
+            <a:off x="1627732" y="1331262"/>
+            <a:ext cx="1039853" cy="246564"/>
+          </a:xfrm>
+          <a:prstGeom prst="rect">
+            <a:avLst/>
+          </a:prstGeom>
+        </p:spPr>
+      </p:pic>
+      <p:sp>
+        <p:nvSpPr>
+          <p:cNvPr id="131" name="Shape 131"/>
+          <p:cNvSpPr/>
+          <p:nvPr/>
+        </p:nvSpPr>
+        <p:spPr>
+          <a:xfrm>
+            <a:off x="652577" y="1974472"/>
+            <a:ext cx="2997519" cy="640364"/>
+          </a:xfrm>
+          <a:prstGeom prst="roundRect">
+            <a:avLst>
+              <a:gd name="adj" fmla="val 21962"/>
+            </a:avLst>
+          </a:prstGeom>
+          <a:ln/>
+          <a:extLst>
+            <a:ext uri="{C572A759-6A51-4108-AA02-DFA0A04FC94B}">
+              <ma14:wrappingTextBoxFlag xmlns:ma14="http://schemas.microsoft.com/office/mac/drawingml/2011/main" val="1"/>
+            </a:ext>
+          </a:extLst>
+        </p:spPr>
+        <p:style>
+          <a:lnRef idx="2">
+            <a:schemeClr val="dk1"/>
+          </a:lnRef>
+          <a:fillRef idx="1">
+            <a:schemeClr val="lt1"/>
+          </a:fillRef>
+          <a:effectRef idx="0">
+            <a:schemeClr val="dk1"/>
+          </a:effectRef>
+          <a:fontRef idx="minor">
+            <a:schemeClr val="dk1"/>
+          </a:fontRef>
+        </p:style>
+        <p:txBody>
+          <a:bodyPr lIns="0" tIns="0" rIns="0" bIns="0" anchor="ctr"/>
+          <a:lstStyle>
+            <a:lvl1pPr>
+              <a:defRPr sz="2400" b="1">
+                <a:solidFill>
+                  <a:srgbClr val="FFFFFF"/>
+                </a:solidFill>
+                <a:latin typeface="Helvetica"/>
+                <a:ea typeface="Helvetica"/>
+                <a:cs typeface="Helvetica"/>
+                <a:sym typeface="Helvetica"/>
+              </a:defRPr>
+            </a:lvl1pPr>
+          </a:lstStyle>
+          <a:p>
+            <a:pPr lvl="0">
+              <a:defRPr sz="1800" b="0">
+                <a:solidFill>
+                  <a:srgbClr val="000000"/>
+                </a:solidFill>
+              </a:defRPr>
+            </a:pPr>
+            <a:r>
+              <a:rPr sz="2400" b="1" dirty="0" smtClean="0">
+                <a:solidFill>
+                  <a:srgbClr val="000000"/>
+                </a:solidFill>
+              </a:rPr>
+              <a:t>CliqzAutocomplete</a:t>
+            </a:r>
+            <a:endParaRPr sz="2400" b="1" dirty="0">
+              <a:solidFill>
+                <a:srgbClr val="000000"/>
+              </a:solidFill>
+            </a:endParaRPr>
+          </a:p>
+        </p:txBody>
+      </p:sp>
+      <p:sp>
+        <p:nvSpPr>
+          <p:cNvPr id="27" name="Shape 131"/>
+          <p:cNvSpPr/>
+          <p:nvPr/>
+        </p:nvSpPr>
+        <p:spPr>
+          <a:xfrm>
+            <a:off x="4023771" y="1486508"/>
+            <a:ext cx="1920975" cy="640364"/>
+          </a:xfrm>
+          <a:prstGeom prst="roundRect">
+            <a:avLst>
+              <a:gd name="adj" fmla="val 21962"/>
+            </a:avLst>
+          </a:prstGeom>
+          <a:ln/>
+          <a:extLst>
+            <a:ext uri="{C572A759-6A51-4108-AA02-DFA0A04FC94B}">
+              <ma14:wrappingTextBoxFlag xmlns:ma14="http://schemas.microsoft.com/office/mac/drawingml/2011/main" val="1"/>
+            </a:ext>
+          </a:extLst>
+        </p:spPr>
+        <p:style>
+          <a:lnRef idx="2">
+            <a:schemeClr val="dk1"/>
+          </a:lnRef>
+          <a:fillRef idx="1">
+            <a:schemeClr val="lt1"/>
+          </a:fillRef>
+          <a:effectRef idx="0">
+            <a:schemeClr val="dk1"/>
+          </a:effectRef>
+          <a:fontRef idx="minor">
+            <a:schemeClr val="dk1"/>
+          </a:fontRef>
+        </p:style>
+        <p:txBody>
+          <a:bodyPr lIns="0" tIns="0" rIns="0" bIns="0" anchor="ctr"/>
+          <a:lstStyle>
+            <a:lvl1pPr>
+              <a:defRPr sz="2400" b="1">
+                <a:solidFill>
+                  <a:srgbClr val="FFFFFF"/>
+                </a:solidFill>
+                <a:latin typeface="Helvetica"/>
+                <a:ea typeface="Helvetica"/>
+                <a:cs typeface="Helvetica"/>
+                <a:sym typeface="Helvetica"/>
+              </a:defRPr>
+            </a:lvl1pPr>
+          </a:lstStyle>
+          <a:p>
+            <a:pPr lvl="0">
+              <a:defRPr sz="1800" b="0">
+                <a:solidFill>
+                  <a:srgbClr val="000000"/>
+                </a:solidFill>
+              </a:defRPr>
+            </a:pPr>
+            <a:r>
+              <a:rPr lang="en-US" sz="2400" b="1" dirty="0" smtClean="0">
+                <a:solidFill>
+                  <a:srgbClr val="000000"/>
+                </a:solidFill>
+              </a:rPr>
+              <a:t>History</a:t>
+            </a:r>
+            <a:endParaRPr sz="2400" b="1" dirty="0">
+              <a:solidFill>
+                <a:srgbClr val="000000"/>
+              </a:solidFill>
+            </a:endParaRPr>
+          </a:p>
+        </p:txBody>
+      </p:sp>
+      <p:sp>
+        <p:nvSpPr>
+          <p:cNvPr id="28" name="Shape 131"/>
+          <p:cNvSpPr/>
+          <p:nvPr/>
+        </p:nvSpPr>
+        <p:spPr>
+          <a:xfrm>
+            <a:off x="4023771" y="2294654"/>
+            <a:ext cx="1920975" cy="640364"/>
+          </a:xfrm>
+          <a:prstGeom prst="roundRect">
+            <a:avLst>
+              <a:gd name="adj" fmla="val 21962"/>
+            </a:avLst>
+          </a:prstGeom>
+          <a:ln/>
+          <a:extLst>
+            <a:ext uri="{C572A759-6A51-4108-AA02-DFA0A04FC94B}">
+              <ma14:wrappingTextBoxFlag xmlns:ma14="http://schemas.microsoft.com/office/mac/drawingml/2011/main" val="1"/>
+            </a:ext>
+          </a:extLst>
+        </p:spPr>
+        <p:style>
+          <a:lnRef idx="2">
+            <a:schemeClr val="dk1"/>
+          </a:lnRef>
+          <a:fillRef idx="1">
+            <a:schemeClr val="lt1"/>
+          </a:fillRef>
+          <a:effectRef idx="0">
+            <a:schemeClr val="dk1"/>
+          </a:effectRef>
+          <a:fontRef idx="minor">
+            <a:schemeClr val="dk1"/>
+          </a:fontRef>
+        </p:style>
+        <p:txBody>
+          <a:bodyPr lIns="0" tIns="0" rIns="0" bIns="0" anchor="ctr"/>
+          <a:lstStyle>
+            <a:lvl1pPr>
+              <a:defRPr sz="2400" b="1">
+                <a:solidFill>
+                  <a:srgbClr val="FFFFFF"/>
+                </a:solidFill>
+                <a:latin typeface="Helvetica"/>
+                <a:ea typeface="Helvetica"/>
+                <a:cs typeface="Helvetica"/>
+                <a:sym typeface="Helvetica"/>
+              </a:defRPr>
+            </a:lvl1pPr>
+          </a:lstStyle>
+          <a:p>
+            <a:pPr lvl="0">
+              <a:defRPr sz="1800" b="0">
+                <a:solidFill>
+                  <a:srgbClr val="000000"/>
+                </a:solidFill>
+              </a:defRPr>
+            </a:pPr>
+            <a:r>
+              <a:rPr lang="en-US" sz="2400" b="1" dirty="0" smtClean="0">
+                <a:solidFill>
+                  <a:srgbClr val="000000"/>
+                </a:solidFill>
+              </a:rPr>
+              <a:t>GO Mixer</a:t>
+            </a:r>
+            <a:endParaRPr sz="2400" b="1" dirty="0">
+              <a:solidFill>
+                <a:srgbClr val="000000"/>
+              </a:solidFill>
+            </a:endParaRPr>
+          </a:p>
+        </p:txBody>
+      </p:sp>
+      <p:cxnSp>
+        <p:nvCxnSpPr>
+          <p:cNvPr id="3" name="Straight Arrow Connector 2"/>
+          <p:cNvCxnSpPr>
+            <a:stCxn id="131" idx="3"/>
+            <a:endCxn id="27" idx="1"/>
+          </p:cNvCxnSpPr>
+          <p:nvPr/>
+        </p:nvCxnSpPr>
+        <p:spPr>
+          <a:xfrm flipV="1">
+            <a:off x="3650096" y="1806690"/>
+            <a:ext cx="373675" cy="487964"/>
+          </a:xfrm>
+          <a:prstGeom prst="straightConnector1">
+            <a:avLst/>
+          </a:prstGeom>
+          <a:noFill/>
+          <a:ln w="25400" cap="flat">
+            <a:solidFill>
+              <a:srgbClr val="000000"/>
+            </a:solidFill>
+            <a:prstDash val="solid"/>
+            <a:miter lim="400000"/>
+            <a:tailEnd type="arrow"/>
+          </a:ln>
+          <a:effectLst/>
+        </p:spPr>
+        <p:style>
+          <a:lnRef idx="0">
+            <a:scrgbClr r="0" g="0" b="0"/>
+          </a:lnRef>
+          <a:fillRef idx="0">
+            <a:scrgbClr r="0" g="0" b="0"/>
+          </a:fillRef>
+          <a:effectRef idx="0">
+            <a:scrgbClr r="0" g="0" b="0"/>
+          </a:effectRef>
+          <a:fontRef idx="none"/>
+        </p:style>
+      </p:cxnSp>
+      <p:cxnSp>
+        <p:nvCxnSpPr>
+          <p:cNvPr id="5" name="Straight Arrow Connector 4"/>
+          <p:cNvCxnSpPr>
+            <a:stCxn id="131" idx="3"/>
+            <a:endCxn id="28" idx="1"/>
+          </p:cNvCxnSpPr>
+          <p:nvPr/>
+        </p:nvCxnSpPr>
+        <p:spPr>
+          <a:xfrm>
+            <a:off x="3650096" y="2294654"/>
+            <a:ext cx="373675" cy="320182"/>
+          </a:xfrm>
+          <a:prstGeom prst="straightConnector1">
+            <a:avLst/>
+          </a:prstGeom>
+          <a:noFill/>
+          <a:ln w="25400" cap="flat">
+            <a:solidFill>
+              <a:srgbClr val="000000"/>
+            </a:solidFill>
+            <a:prstDash val="solid"/>
+            <a:miter lim="400000"/>
+            <a:tailEnd type="arrow"/>
+          </a:ln>
+          <a:effectLst/>
+        </p:spPr>
+        <p:style>
+          <a:lnRef idx="0">
+            <a:scrgbClr r="0" g="0" b="0"/>
+          </a:lnRef>
+          <a:fillRef idx="0">
+            <a:scrgbClr r="0" g="0" b="0"/>
+          </a:fillRef>
+          <a:effectRef idx="0">
+            <a:scrgbClr r="0" g="0" b="0"/>
+          </a:effectRef>
+          <a:fontRef idx="none"/>
+        </p:style>
+      </p:cxnSp>
+    </p:spTree>
+  </p:cSld>
+  <p:clrMapOvr>
+    <a:masterClrMapping/>
+  </p:clrMapOvr>
+  <p:transition xmlns:p14="http://schemas.microsoft.com/office/powerpoint/2010/main" spd="med"/>
+</p:sld>
+</file>
+
+<file path=ppt/slides/slide7.xml><?xml version="1.0" encoding="utf-8"?>
+<p:sld xmlns:a="http://schemas.openxmlformats.org/drawingml/2006/main" xmlns:r="http://schemas.openxmlformats.org/officeDocument/2006/relationships" xmlns:p="http://schemas.openxmlformats.org/presentationml/2006/main">
+  <p:cSld>
+    <p:spTree>
+      <p:nvGrpSpPr>
+        <p:cNvPr id="1" name=""/>
+        <p:cNvGrpSpPr/>
+        <p:nvPr/>
+      </p:nvGrpSpPr>
+      <p:grpSpPr>
+        <a:xfrm>
+          <a:off x="0" y="0"/>
+          <a:ext cx="0" cy="0"/>
+          <a:chOff x="0" y="0"/>
+          <a:chExt cx="0" cy="0"/>
+        </a:xfrm>
+      </p:grpSpPr>
+      <p:pic>
+        <p:nvPicPr>
+          <p:cNvPr id="124" name="pasted-image.png"/>
           <p:cNvPicPr/>
           <p:nvPr/>
         </p:nvPicPr>
@@ -5272,8 +5667,8 @@
         </p:blipFill>
         <p:spPr>
           <a:xfrm>
-            <a:off x="652577" y="6496646"/>
-            <a:ext cx="1065385" cy="1118896"/>
+            <a:off x="652577" y="160874"/>
+            <a:ext cx="1065385" cy="1118897"/>
           </a:xfrm>
           <a:prstGeom prst="rect">
             <a:avLst/>
@@ -5466,13 +5861,18 @@
               </a:defRPr>
             </a:pPr>
             <a:r>
-              <a:rPr sz="2400" b="1">
+              <a:rPr sz="2400" b="1" dirty="0" smtClean="0">
                 <a:solidFill>
                   <a:srgbClr val="FFFFFF"/>
                 </a:solidFill>
               </a:rPr>
               <a:t>CliqzClusterHistory.jsm</a:t>
             </a:r>
+            <a:endParaRPr sz="2400" b="1" dirty="0">
+              <a:solidFill>
+                <a:srgbClr val="FFFFFF"/>
+              </a:solidFill>
+            </a:endParaRPr>
           </a:p>
         </p:txBody>
       </p:sp>
@@ -5531,19 +5931,24 @@
               </a:defRPr>
             </a:pPr>
             <a:r>
-              <a:rPr sz="2400" b="1">
+              <a:rPr sz="2400" b="1" dirty="0" smtClean="0">
                 <a:solidFill>
                   <a:srgbClr val="FFFFFF"/>
                 </a:solidFill>
               </a:rPr>
               <a:t>CliqzAutocomplete.jsm</a:t>
             </a:r>
+            <a:endParaRPr sz="2400" b="1" dirty="0">
+              <a:solidFill>
+                <a:srgbClr val="FFFFFF"/>
+              </a:solidFill>
+            </a:endParaRPr>
           </a:p>
         </p:txBody>
       </p:sp>
       <p:pic>
         <p:nvPicPr>
-          <p:cNvPr id="132" name="Screen Shot 2015-03-03 at 07.51.48.png"/>
+          <p:cNvPr id="133" name="Picture 132"/>
           <p:cNvPicPr/>
           <p:nvPr/>
         </p:nvPicPr>
@@ -5556,28 +5961,18 @@
           </a:stretch>
         </p:blipFill>
         <p:spPr>
-          <a:xfrm>
-            <a:off x="1863632" y="5287556"/>
-            <a:ext cx="6364082" cy="4146676"/>
+          <a:xfrm rot="5400000">
+            <a:off x="5114056" y="2725293"/>
+            <a:ext cx="737176" cy="246564"/>
           </a:xfrm>
           <a:prstGeom prst="rect">
             <a:avLst/>
           </a:prstGeom>
-          <a:ln w="25400">
-            <a:miter lim="400000"/>
-          </a:ln>
-          <a:effectLst>
-            <a:outerShdw blurRad="254000" dist="127000" dir="5400000" rotWithShape="0">
-              <a:srgbClr val="000000">
-                <a:alpha val="70000"/>
-              </a:srgbClr>
-            </a:outerShdw>
-          </a:effectLst>
         </p:spPr>
       </p:pic>
       <p:pic>
         <p:nvPicPr>
-          <p:cNvPr id="133" name="Picture 132"/>
+          <p:cNvPr id="135" name="Picture 134"/>
           <p:cNvPicPr/>
           <p:nvPr/>
         </p:nvPicPr>
@@ -5590,9 +5985,9 @@
           </a:stretch>
         </p:blipFill>
         <p:spPr>
-          <a:xfrm rot="5400000">
-            <a:off x="5114056" y="2725293"/>
-            <a:ext cx="737176" cy="246564"/>
+          <a:xfrm>
+            <a:off x="7793725" y="3667086"/>
+            <a:ext cx="2407528" cy="246565"/>
           </a:xfrm>
           <a:prstGeom prst="rect">
             <a:avLst/>
@@ -5601,7 +5996,7 @@
       </p:pic>
       <p:pic>
         <p:nvPicPr>
-          <p:cNvPr id="135" name="Picture 134"/>
+          <p:cNvPr id="137" name="Picture 136"/>
           <p:cNvPicPr/>
           <p:nvPr/>
         </p:nvPicPr>
@@ -5614,9 +6009,9 @@
           </a:stretch>
         </p:blipFill>
         <p:spPr>
-          <a:xfrm>
-            <a:off x="7793725" y="3667086"/>
-            <a:ext cx="2407528" cy="246565"/>
+          <a:xfrm rot="16200000">
+            <a:off x="1053926" y="2287790"/>
+            <a:ext cx="2750557" cy="50801"/>
           </a:xfrm>
           <a:prstGeom prst="rect">
             <a:avLst/>
@@ -5625,7 +6020,7 @@
       </p:pic>
       <p:pic>
         <p:nvPicPr>
-          <p:cNvPr id="137" name="Picture 136"/>
+          <p:cNvPr id="139" name="Picture 138"/>
           <p:cNvPicPr/>
           <p:nvPr/>
         </p:nvPicPr>
@@ -5639,8 +6034,8 @@
         </p:blipFill>
         <p:spPr>
           <a:xfrm rot="16200000">
-            <a:off x="1053926" y="2287790"/>
-            <a:ext cx="2750557" cy="50801"/>
+            <a:off x="5569672" y="2761286"/>
+            <a:ext cx="737176" cy="246565"/>
           </a:xfrm>
           <a:prstGeom prst="rect">
             <a:avLst/>
@@ -5649,7 +6044,7 @@
       </p:pic>
       <p:pic>
         <p:nvPicPr>
-          <p:cNvPr id="139" name="Picture 138"/>
+          <p:cNvPr id="141" name="Picture 140"/>
           <p:cNvPicPr/>
           <p:nvPr/>
         </p:nvPicPr>
@@ -5662,30 +6057,6 @@
           </a:stretch>
         </p:blipFill>
         <p:spPr>
-          <a:xfrm rot="16200000">
-            <a:off x="5569672" y="2761286"/>
-            <a:ext cx="737176" cy="246565"/>
-          </a:xfrm>
-          <a:prstGeom prst="rect">
-            <a:avLst/>
-          </a:prstGeom>
-        </p:spPr>
-      </p:pic>
-      <p:pic>
-        <p:nvPicPr>
-          <p:cNvPr id="141" name="Picture 140"/>
-          <p:cNvPicPr/>
-          <p:nvPr/>
-        </p:nvPicPr>
-        <p:blipFill>
-          <a:blip r:embed="rId11">
-            <a:extLst/>
-          </a:blip>
-          <a:stretch>
-            <a:fillRect/>
-          </a:stretch>
-        </p:blipFill>
-        <p:spPr>
           <a:xfrm rot="5400000">
             <a:off x="5030537" y="4773466"/>
             <a:ext cx="1668387" cy="246564"/>
@@ -5702,7 +6073,7 @@
           <p:nvPr/>
         </p:nvPicPr>
         <p:blipFill>
-          <a:blip r:embed="rId12">
+          <a:blip r:embed="rId11">
             <a:extLst/>
           </a:blip>
           <a:stretch>
@@ -6393,7 +6764,7 @@
           <p:nvPr/>
         </p:nvPicPr>
         <p:blipFill>
-          <a:blip r:embed="rId13">
+          <a:blip r:embed="rId12">
             <a:extLst/>
           </a:blip>
           <a:stretch>
@@ -6505,6 +6876,11 @@
         </p:txBody>
       </p:sp>
     </p:spTree>
+    <p:extLst>
+      <p:ext uri="{BB962C8B-B14F-4D97-AF65-F5344CB8AC3E}">
+        <p14:creationId xmlns:p14="http://schemas.microsoft.com/office/powerpoint/2010/main" val="1423159512"/>
+      </p:ext>
+    </p:extLst>
   </p:cSld>
   <p:clrMapOvr>
     <a:masterClrMapping/>
@@ -6513,7 +6889,7 @@
 </p:sld>
 </file>
 
-<file path=ppt/slides/slide7.xml><?xml version="1.0" encoding="utf-8"?>
+<file path=ppt/slides/slide8.xml><?xml version="1.0" encoding="utf-8"?>
 <p:sld xmlns:a="http://schemas.openxmlformats.org/drawingml/2006/main" xmlns:r="http://schemas.openxmlformats.org/officeDocument/2006/relationships" xmlns:p="http://schemas.openxmlformats.org/presentationml/2006/main">
   <p:cSld>
     <p:spTree>

--- a/docu/CLIQZ for Firefox - garage0.51.pptx
+++ b/docu/CLIQZ for Firefox - garage0.51.pptx
@@ -12,10 +12,10 @@
     <p:sldId id="283" r:id="rId3"/>
     <p:sldId id="260" r:id="rId4"/>
     <p:sldId id="263" r:id="rId5"/>
-    <p:sldId id="268" r:id="rId6"/>
-    <p:sldId id="270" r:id="rId7"/>
-    <p:sldId id="284" r:id="rId8"/>
-    <p:sldId id="277" r:id="rId9"/>
+    <p:sldId id="285" r:id="rId6"/>
+    <p:sldId id="268" r:id="rId7"/>
+    <p:sldId id="270" r:id="rId8"/>
+    <p:sldId id="286" r:id="rId9"/>
   </p:sldIdLst>
   <p:sldSz cx="13004800" cy="9753600"/>
   <p:notesSz cx="6858000" cy="9144000"/>
@@ -284,6 +284,290 @@
     </a:lvl9pPr>
   </p:notesStyle>
 </p:notesMaster>
+</file>
+
+<file path=ppt/notesSlides/notesSlide1.xml><?xml version="1.0" encoding="utf-8"?>
+<p:notes xmlns:a="http://schemas.openxmlformats.org/drawingml/2006/main" xmlns:r="http://schemas.openxmlformats.org/officeDocument/2006/relationships" xmlns:p="http://schemas.openxmlformats.org/presentationml/2006/main">
+  <p:cSld>
+    <p:spTree>
+      <p:nvGrpSpPr>
+        <p:cNvPr id="1" name=""/>
+        <p:cNvGrpSpPr/>
+        <p:nvPr/>
+      </p:nvGrpSpPr>
+      <p:grpSpPr>
+        <a:xfrm>
+          <a:off x="0" y="0"/>
+          <a:ext cx="0" cy="0"/>
+          <a:chOff x="0" y="0"/>
+          <a:chExt cx="0" cy="0"/>
+        </a:xfrm>
+      </p:grpSpPr>
+      <p:sp>
+        <p:nvSpPr>
+          <p:cNvPr id="2" name="Slide Image Placeholder 1"/>
+          <p:cNvSpPr>
+            <a:spLocks noGrp="1" noRot="1" noChangeAspect="1"/>
+          </p:cNvSpPr>
+          <p:nvPr>
+            <p:ph type="sldImg"/>
+          </p:nvPr>
+        </p:nvSpPr>
+        <p:spPr/>
+      </p:sp>
+      <p:sp>
+        <p:nvSpPr>
+          <p:cNvPr id="3" name="Notes Placeholder 2"/>
+          <p:cNvSpPr>
+            <a:spLocks noGrp="1"/>
+          </p:cNvSpPr>
+          <p:nvPr>
+            <p:ph type="body" idx="1"/>
+          </p:nvPr>
+        </p:nvSpPr>
+        <p:spPr/>
+        <p:txBody>
+          <a:bodyPr/>
+          <a:lstStyle/>
+          <a:p>
+            <a:r>
+              <a:rPr lang="en-US" dirty="0" smtClean="0"/>
+              <a:t>What do we</a:t>
+            </a:r>
+            <a:r>
+              <a:rPr lang="en-US" baseline="0" dirty="0" smtClean="0"/>
+              <a:t> really do?</a:t>
+            </a:r>
+            <a:endParaRPr lang="en-US" dirty="0"/>
+          </a:p>
+        </p:txBody>
+      </p:sp>
+    </p:spTree>
+    <p:extLst>
+      <p:ext uri="{BB962C8B-B14F-4D97-AF65-F5344CB8AC3E}">
+        <p14:creationId xmlns:p14="http://schemas.microsoft.com/office/powerpoint/2010/main" val="3249964131"/>
+      </p:ext>
+    </p:extLst>
+  </p:cSld>
+  <p:clrMapOvr>
+    <a:masterClrMapping/>
+  </p:clrMapOvr>
+</p:notes>
+</file>
+
+<file path=ppt/notesSlides/notesSlide2.xml><?xml version="1.0" encoding="utf-8"?>
+<p:notes xmlns:a="http://schemas.openxmlformats.org/drawingml/2006/main" xmlns:r="http://schemas.openxmlformats.org/officeDocument/2006/relationships" xmlns:p="http://schemas.openxmlformats.org/presentationml/2006/main">
+  <p:cSld>
+    <p:spTree>
+      <p:nvGrpSpPr>
+        <p:cNvPr id="1" name=""/>
+        <p:cNvGrpSpPr/>
+        <p:nvPr/>
+      </p:nvGrpSpPr>
+      <p:grpSpPr>
+        <a:xfrm>
+          <a:off x="0" y="0"/>
+          <a:ext cx="0" cy="0"/>
+          <a:chOff x="0" y="0"/>
+          <a:chExt cx="0" cy="0"/>
+        </a:xfrm>
+      </p:grpSpPr>
+      <p:sp>
+        <p:nvSpPr>
+          <p:cNvPr id="2" name="Slide Image Placeholder 1"/>
+          <p:cNvSpPr>
+            <a:spLocks noGrp="1" noRot="1" noChangeAspect="1"/>
+          </p:cNvSpPr>
+          <p:nvPr>
+            <p:ph type="sldImg"/>
+          </p:nvPr>
+        </p:nvSpPr>
+        <p:spPr/>
+      </p:sp>
+      <p:sp>
+        <p:nvSpPr>
+          <p:cNvPr id="3" name="Notes Placeholder 2"/>
+          <p:cNvSpPr>
+            <a:spLocks noGrp="1"/>
+          </p:cNvSpPr>
+          <p:nvPr>
+            <p:ph type="body" idx="1"/>
+          </p:nvPr>
+        </p:nvSpPr>
+        <p:spPr/>
+        <p:txBody>
+          <a:bodyPr/>
+          <a:lstStyle/>
+          <a:p>
+            <a:r>
+              <a:rPr lang="en-US" dirty="0" smtClean="0"/>
+              <a:t>CLIQZ</a:t>
+            </a:r>
+            <a:r>
+              <a:rPr lang="en-US" baseline="0" dirty="0" smtClean="0"/>
+              <a:t> for Firefox in a bigger picture</a:t>
+            </a:r>
+            <a:endParaRPr lang="en-US" dirty="0"/>
+          </a:p>
+        </p:txBody>
+      </p:sp>
+    </p:spTree>
+    <p:extLst>
+      <p:ext uri="{BB962C8B-B14F-4D97-AF65-F5344CB8AC3E}">
+        <p14:creationId xmlns:p14="http://schemas.microsoft.com/office/powerpoint/2010/main" val="912638498"/>
+      </p:ext>
+    </p:extLst>
+  </p:cSld>
+  <p:clrMapOvr>
+    <a:masterClrMapping/>
+  </p:clrMapOvr>
+</p:notes>
+</file>
+
+<file path=ppt/notesSlides/notesSlide3.xml><?xml version="1.0" encoding="utf-8"?>
+<p:notes xmlns:a="http://schemas.openxmlformats.org/drawingml/2006/main" xmlns:r="http://schemas.openxmlformats.org/officeDocument/2006/relationships" xmlns:p="http://schemas.openxmlformats.org/presentationml/2006/main">
+  <p:cSld>
+    <p:spTree>
+      <p:nvGrpSpPr>
+        <p:cNvPr id="1" name=""/>
+        <p:cNvGrpSpPr/>
+        <p:nvPr/>
+      </p:nvGrpSpPr>
+      <p:grpSpPr>
+        <a:xfrm>
+          <a:off x="0" y="0"/>
+          <a:ext cx="0" cy="0"/>
+          <a:chOff x="0" y="0"/>
+          <a:chExt cx="0" cy="0"/>
+        </a:xfrm>
+      </p:grpSpPr>
+      <p:sp>
+        <p:nvSpPr>
+          <p:cNvPr id="2" name="Slide Image Placeholder 1"/>
+          <p:cNvSpPr>
+            <a:spLocks noGrp="1" noRot="1" noChangeAspect="1"/>
+          </p:cNvSpPr>
+          <p:nvPr>
+            <p:ph type="sldImg"/>
+          </p:nvPr>
+        </p:nvSpPr>
+        <p:spPr/>
+      </p:sp>
+      <p:sp>
+        <p:nvSpPr>
+          <p:cNvPr id="3" name="Notes Placeholder 2"/>
+          <p:cNvSpPr>
+            <a:spLocks noGrp="1"/>
+          </p:cNvSpPr>
+          <p:nvPr>
+            <p:ph type="body" idx="1"/>
+          </p:nvPr>
+        </p:nvSpPr>
+        <p:spPr/>
+        <p:txBody>
+          <a:bodyPr/>
+          <a:lstStyle/>
+          <a:p>
+            <a:r>
+              <a:rPr lang="en-US" dirty="0" smtClean="0"/>
+              <a:t>How</a:t>
+            </a:r>
+            <a:r>
+              <a:rPr lang="en-US" baseline="0" dirty="0" smtClean="0"/>
+              <a:t> it works</a:t>
+            </a:r>
+            <a:endParaRPr lang="en-US" dirty="0"/>
+          </a:p>
+        </p:txBody>
+      </p:sp>
+    </p:spTree>
+    <p:extLst>
+      <p:ext uri="{BB962C8B-B14F-4D97-AF65-F5344CB8AC3E}">
+        <p14:creationId xmlns:p14="http://schemas.microsoft.com/office/powerpoint/2010/main" val="2989693041"/>
+      </p:ext>
+    </p:extLst>
+  </p:cSld>
+  <p:clrMapOvr>
+    <a:masterClrMapping/>
+  </p:clrMapOvr>
+</p:notes>
+</file>
+
+<file path=ppt/notesSlides/notesSlide4.xml><?xml version="1.0" encoding="utf-8"?>
+<p:notes xmlns:a="http://schemas.openxmlformats.org/drawingml/2006/main" xmlns:r="http://schemas.openxmlformats.org/officeDocument/2006/relationships" xmlns:p="http://schemas.openxmlformats.org/presentationml/2006/main">
+  <p:cSld>
+    <p:spTree>
+      <p:nvGrpSpPr>
+        <p:cNvPr id="1" name=""/>
+        <p:cNvGrpSpPr/>
+        <p:nvPr/>
+      </p:nvGrpSpPr>
+      <p:grpSpPr>
+        <a:xfrm>
+          <a:off x="0" y="0"/>
+          <a:ext cx="0" cy="0"/>
+          <a:chOff x="0" y="0"/>
+          <a:chExt cx="0" cy="0"/>
+        </a:xfrm>
+      </p:grpSpPr>
+      <p:sp>
+        <p:nvSpPr>
+          <p:cNvPr id="2" name="Slide Image Placeholder 1"/>
+          <p:cNvSpPr>
+            <a:spLocks noGrp="1" noRot="1" noChangeAspect="1"/>
+          </p:cNvSpPr>
+          <p:nvPr>
+            <p:ph type="sldImg"/>
+          </p:nvPr>
+        </p:nvSpPr>
+        <p:spPr/>
+      </p:sp>
+      <p:sp>
+        <p:nvSpPr>
+          <p:cNvPr id="3" name="Notes Placeholder 2"/>
+          <p:cNvSpPr>
+            <a:spLocks noGrp="1"/>
+          </p:cNvSpPr>
+          <p:nvPr>
+            <p:ph type="body" idx="1"/>
+          </p:nvPr>
+        </p:nvSpPr>
+        <p:spPr/>
+        <p:txBody>
+          <a:bodyPr/>
+          <a:lstStyle/>
+          <a:p>
+            <a:r>
+              <a:rPr lang="en-US" dirty="0" smtClean="0"/>
+              <a:t>Cluster</a:t>
+            </a:r>
+            <a:r>
+              <a:rPr lang="en-US" baseline="0" dirty="0" smtClean="0"/>
+              <a:t> – </a:t>
+            </a:r>
+            <a:r>
+              <a:rPr lang="en-US" baseline="0" dirty="0" err="1" smtClean="0"/>
+              <a:t>github</a:t>
+            </a:r>
+            <a:r>
+              <a:rPr lang="en-US" baseline="0" dirty="0" smtClean="0"/>
+              <a:t> </a:t>
+            </a:r>
+            <a:endParaRPr lang="en-US" dirty="0"/>
+          </a:p>
+        </p:txBody>
+      </p:sp>
+    </p:spTree>
+    <p:extLst>
+      <p:ext uri="{BB962C8B-B14F-4D97-AF65-F5344CB8AC3E}">
+        <p14:creationId xmlns:p14="http://schemas.microsoft.com/office/powerpoint/2010/main" val="4102246646"/>
+      </p:ext>
+    </p:extLst>
+  </p:cSld>
+  <p:clrMapOvr>
+    <a:masterClrMapping/>
+  </p:clrMapOvr>
+</p:notes>
 </file>
 
 <file path=ppt/slideLayouts/slideLayout1.xml><?xml version="1.0" encoding="utf-8"?>
@@ -1967,7 +2251,7 @@
           <p:nvPr/>
         </p:nvPicPr>
         <p:blipFill>
-          <a:blip r:embed="rId2">
+          <a:blip r:embed="rId3">
             <a:extLst>
               <a:ext uri="{28A0092B-C50C-407E-A947-70E740481C1C}">
                 <a14:useLocalDpi xmlns:a14="http://schemas.microsoft.com/office/drawing/2010/main" val="0"/>
@@ -1997,7 +2281,7 @@
           <p:nvPr/>
         </p:nvPicPr>
         <p:blipFill>
-          <a:blip r:embed="rId3">
+          <a:blip r:embed="rId4">
             <a:extLst>
               <a:ext uri="{28A0092B-C50C-407E-A947-70E740481C1C}">
                 <a14:useLocalDpi xmlns:a14="http://schemas.microsoft.com/office/drawing/2010/main" val="0"/>
@@ -2251,7 +2535,7 @@
           <p:nvPr/>
         </p:nvPicPr>
         <p:blipFill rotWithShape="1">
-          <a:blip r:embed="rId4">
+          <a:blip r:embed="rId5">
             <a:extLst>
               <a:ext uri="{28A0092B-C50C-407E-A947-70E740481C1C}">
                 <a14:useLocalDpi xmlns:a14="http://schemas.microsoft.com/office/drawing/2010/main" val="0"/>
@@ -2386,7 +2670,7 @@
           <p:nvPr/>
         </p:nvPicPr>
         <p:blipFill>
-          <a:blip r:embed="rId5">
+          <a:blip r:embed="rId6">
             <a:extLst>
               <a:ext uri="{28A0092B-C50C-407E-A947-70E740481C1C}">
                 <a14:useLocalDpi xmlns:a14="http://schemas.microsoft.com/office/drawing/2010/main" val="0"/>
@@ -2628,7 +2912,7 @@
           <p:nvPr/>
         </p:nvPicPr>
         <p:blipFill>
-          <a:blip r:embed="rId6">
+          <a:blip r:embed="rId7">
             <a:extLst>
               <a:ext uri="{28A0092B-C50C-407E-A947-70E740481C1C}">
                 <a14:useLocalDpi xmlns:a14="http://schemas.microsoft.com/office/drawing/2010/main" val="0"/>
@@ -2755,7 +3039,7 @@
           <p:nvPr/>
         </p:nvPicPr>
         <p:blipFill>
-          <a:blip r:embed="rId7">
+          <a:blip r:embed="rId8">
             <a:extLst>
               <a:ext uri="{28A0092B-C50C-407E-A947-70E740481C1C}">
                 <a14:useLocalDpi xmlns:a14="http://schemas.microsoft.com/office/drawing/2010/main" val="0"/>
@@ -3122,15 +3406,33 @@
                                   </p:childTnLst>
                                 </p:cTn>
                               </p:par>
+                            </p:childTnLst>
+                          </p:cTn>
+                        </p:par>
+                      </p:childTnLst>
+                    </p:cTn>
+                  </p:par>
+                  <p:par>
+                    <p:cTn id="31" fill="hold">
+                      <p:stCondLst>
+                        <p:cond delay="indefinite"/>
+                      </p:stCondLst>
+                      <p:childTnLst>
+                        <p:par>
+                          <p:cTn id="32" fill="hold">
+                            <p:stCondLst>
+                              <p:cond delay="0"/>
+                            </p:stCondLst>
+                            <p:childTnLst>
                               <p:par>
-                                <p:cTn id="31" presetID="1" presetClass="entr" presetSubtype="0" fill="hold" nodeType="withEffect">
+                                <p:cTn id="33" presetID="1" presetClass="entr" presetSubtype="0" fill="hold" nodeType="clickEffect">
                                   <p:stCondLst>
                                     <p:cond delay="0"/>
                                   </p:stCondLst>
                                   <p:childTnLst>
                                     <p:set>
                                       <p:cBhvr>
-                                        <p:cTn id="32" dur="1" fill="hold">
+                                        <p:cTn id="34" dur="1" fill="hold">
                                           <p:stCondLst>
                                             <p:cond delay="0"/>
                                           </p:stCondLst>
@@ -3156,26 +3458,26 @@
                     </p:cTn>
                   </p:par>
                   <p:par>
-                    <p:cTn id="33" fill="hold">
+                    <p:cTn id="35" fill="hold">
                       <p:stCondLst>
                         <p:cond delay="indefinite"/>
                       </p:stCondLst>
                       <p:childTnLst>
                         <p:par>
-                          <p:cTn id="34" fill="hold">
+                          <p:cTn id="36" fill="hold">
                             <p:stCondLst>
                               <p:cond delay="0"/>
                             </p:stCondLst>
                             <p:childTnLst>
                               <p:par>
-                                <p:cTn id="35" presetID="1" presetClass="entr" presetSubtype="0" fill="hold" grpId="0" nodeType="clickEffect">
+                                <p:cTn id="37" presetID="1" presetClass="entr" presetSubtype="0" fill="hold" grpId="0" nodeType="clickEffect">
                                   <p:stCondLst>
                                     <p:cond delay="0"/>
                                   </p:stCondLst>
                                   <p:childTnLst>
                                     <p:set>
                                       <p:cBhvr>
-                                        <p:cTn id="36" dur="1" fill="hold">
+                                        <p:cTn id="38" dur="1" fill="hold">
                                           <p:stCondLst>
                                             <p:cond delay="0"/>
                                           </p:stCondLst>
@@ -3194,15 +3496,33 @@
                                   </p:childTnLst>
                                 </p:cTn>
                               </p:par>
+                            </p:childTnLst>
+                          </p:cTn>
+                        </p:par>
+                      </p:childTnLst>
+                    </p:cTn>
+                  </p:par>
+                  <p:par>
+                    <p:cTn id="39" fill="hold">
+                      <p:stCondLst>
+                        <p:cond delay="indefinite"/>
+                      </p:stCondLst>
+                      <p:childTnLst>
+                        <p:par>
+                          <p:cTn id="40" fill="hold">
+                            <p:stCondLst>
+                              <p:cond delay="0"/>
+                            </p:stCondLst>
+                            <p:childTnLst>
                               <p:par>
-                                <p:cTn id="37" presetID="1" presetClass="entr" presetSubtype="0" fill="hold" nodeType="withEffect">
+                                <p:cTn id="41" presetID="1" presetClass="entr" presetSubtype="0" fill="hold" nodeType="clickEffect">
                                   <p:stCondLst>
                                     <p:cond delay="0"/>
                                   </p:stCondLst>
                                   <p:childTnLst>
                                     <p:set>
                                       <p:cBhvr>
-                                        <p:cTn id="38" dur="1" fill="hold">
+                                        <p:cTn id="42" dur="1" fill="hold">
                                           <p:stCondLst>
                                             <p:cond delay="0"/>
                                           </p:stCondLst>
@@ -3377,8 +3697,8 @@
         </p:nvSpPr>
         <p:spPr>
           <a:xfrm>
-            <a:off x="125908" y="6248400"/>
-            <a:ext cx="2008784" cy="558801"/>
+            <a:off x="467358" y="6230283"/>
+            <a:ext cx="1325884" cy="595035"/>
           </a:xfrm>
           <a:prstGeom prst="rect">
             <a:avLst/>
@@ -3411,9 +3731,10 @@
               <a:defRPr sz="1800"/>
             </a:pPr>
             <a:r>
-              <a:rPr sz="3200"/>
-              <a:t>With Cliqz</a:t>
+              <a:rPr lang="en-US" sz="3200" dirty="0" smtClean="0"/>
+              <a:t>CLIQZ</a:t>
             </a:r>
+            <a:endParaRPr sz="3200" dirty="0"/>
           </a:p>
         </p:txBody>
       </p:sp>
@@ -3452,8 +3773,8 @@
         </p:nvSpPr>
         <p:spPr>
           <a:xfrm>
-            <a:off x="10954940" y="1689099"/>
-            <a:ext cx="1686720" cy="1016001"/>
+            <a:off x="11073742" y="1653361"/>
+            <a:ext cx="1449115" cy="1087477"/>
           </a:xfrm>
           <a:prstGeom prst="rect">
             <a:avLst/>
@@ -3477,21 +3798,27 @@
               <a:defRPr sz="1800"/>
             </a:pPr>
             <a:r>
-              <a:rPr sz="3200">
+              <a:rPr lang="en-US" sz="3200" dirty="0" smtClean="0">
                 <a:latin typeface="Georgia"/>
                 <a:ea typeface="Georgia"/>
                 <a:cs typeface="Georgia"/>
                 <a:sym typeface="Georgia"/>
               </a:rPr>
-              <a:t>Normal </a:t>
+              <a:t>Default</a:t>
             </a:r>
+            <a:endParaRPr sz="3200" dirty="0">
+              <a:latin typeface="Georgia"/>
+              <a:ea typeface="Georgia"/>
+              <a:cs typeface="Georgia"/>
+              <a:sym typeface="Georgia"/>
+            </a:endParaRPr>
           </a:p>
           <a:p>
             <a:pPr lvl="0">
               <a:defRPr sz="1800"/>
             </a:pPr>
             <a:r>
-              <a:rPr sz="3200">
+              <a:rPr sz="3200" dirty="0">
                 <a:latin typeface="Georgia"/>
                 <a:ea typeface="Georgia"/>
                 <a:cs typeface="Georgia"/>
@@ -3558,8 +3885,8 @@
         </p:nvSpPr>
         <p:spPr>
           <a:xfrm>
-            <a:off x="9621763" y="5016500"/>
-            <a:ext cx="974874" cy="553410"/>
+            <a:off x="9975493" y="5016500"/>
+            <a:ext cx="621143" cy="553410"/>
           </a:xfrm>
           <a:custGeom>
             <a:avLst/>
@@ -3671,7 +3998,7 @@
           <p:nvPr/>
         </p:nvPicPr>
         <p:blipFill>
-          <a:blip r:embed="rId2">
+          <a:blip r:embed="rId3">
             <a:extLst/>
           </a:blip>
           <a:stretch>
@@ -3773,7 +4100,7 @@
             </a:avLst>
           </a:prstGeom>
           <a:blipFill>
-            <a:blip r:embed="rId3"/>
+            <a:blip r:embed="rId4"/>
           </a:blipFill>
           <a:ln w="12700">
             <a:miter lim="400000"/>
@@ -3998,30 +4325,6 @@
           <p:nvPr/>
         </p:nvPicPr>
         <p:blipFill>
-          <a:blip r:embed="rId4">
-            <a:extLst/>
-          </a:blip>
-          <a:stretch>
-            <a:fillRect/>
-          </a:stretch>
-        </p:blipFill>
-        <p:spPr>
-          <a:xfrm rot="21600000">
-            <a:off x="1637685" y="5001288"/>
-            <a:ext cx="998748" cy="352235"/>
-          </a:xfrm>
-          <a:prstGeom prst="rect">
-            <a:avLst/>
-          </a:prstGeom>
-        </p:spPr>
-      </p:pic>
-      <p:pic>
-        <p:nvPicPr>
-          <p:cNvPr id="73" name="Picture 72"/>
-          <p:cNvPicPr/>
-          <p:nvPr/>
-        </p:nvPicPr>
-        <p:blipFill>
           <a:blip r:embed="rId5">
             <a:extLst/>
           </a:blip>
@@ -4031,8 +4334,8 @@
         </p:blipFill>
         <p:spPr>
           <a:xfrm rot="21600000">
-            <a:off x="5003478" y="5145221"/>
-            <a:ext cx="1349276" cy="352235"/>
+            <a:off x="1637685" y="5001288"/>
+            <a:ext cx="998748" cy="352235"/>
           </a:xfrm>
           <a:prstGeom prst="rect">
             <a:avLst/>
@@ -4041,7 +4344,7 @@
       </p:pic>
       <p:pic>
         <p:nvPicPr>
-          <p:cNvPr id="75" name="Picture 74"/>
+          <p:cNvPr id="73" name="Picture 72"/>
           <p:cNvPicPr/>
           <p:nvPr/>
         </p:nvPicPr>
@@ -4054,9 +4357,9 @@
           </a:stretch>
         </p:blipFill>
         <p:spPr>
-          <a:xfrm rot="5400000">
-            <a:off x="6882803" y="5954016"/>
-            <a:ext cx="846623" cy="352235"/>
+          <a:xfrm rot="21600000">
+            <a:off x="5003478" y="5145221"/>
+            <a:ext cx="1349276" cy="352235"/>
           </a:xfrm>
           <a:prstGeom prst="rect">
             <a:avLst/>
@@ -4065,7 +4368,7 @@
       </p:pic>
       <p:pic>
         <p:nvPicPr>
-          <p:cNvPr id="77" name="Picture 76"/>
+          <p:cNvPr id="75" name="Picture 74"/>
           <p:cNvPicPr/>
           <p:nvPr/>
         </p:nvPicPr>
@@ -4078,9 +4381,9 @@
           </a:stretch>
         </p:blipFill>
         <p:spPr>
-          <a:xfrm rot="21600000">
-            <a:off x="3774701" y="2798353"/>
-            <a:ext cx="2550875" cy="352235"/>
+          <a:xfrm rot="5400000">
+            <a:off x="6882803" y="5954016"/>
+            <a:ext cx="846623" cy="352235"/>
           </a:xfrm>
           <a:prstGeom prst="rect">
             <a:avLst/>
@@ -4089,7 +4392,7 @@
       </p:pic>
       <p:pic>
         <p:nvPicPr>
-          <p:cNvPr id="79" name="Picture 78"/>
+          <p:cNvPr id="77" name="Picture 76"/>
           <p:cNvPicPr/>
           <p:nvPr/>
         </p:nvPicPr>
@@ -4102,9 +4405,9 @@
           </a:stretch>
         </p:blipFill>
         <p:spPr>
-          <a:xfrm rot="10800000">
-            <a:off x="5000403" y="4798589"/>
-            <a:ext cx="1349276" cy="352234"/>
+          <a:xfrm rot="21600000">
+            <a:off x="3774701" y="2798353"/>
+            <a:ext cx="2550875" cy="352235"/>
           </a:xfrm>
           <a:prstGeom prst="rect">
             <a:avLst/>
@@ -4113,7 +4416,7 @@
       </p:pic>
       <p:pic>
         <p:nvPicPr>
-          <p:cNvPr id="81" name="Picture 80"/>
+          <p:cNvPr id="79" name="Picture 78"/>
           <p:cNvPicPr/>
           <p:nvPr/>
         </p:nvPicPr>
@@ -4127,8 +4430,8 @@
         </p:blipFill>
         <p:spPr>
           <a:xfrm rot="10800000">
-            <a:off x="8640523" y="4799089"/>
-            <a:ext cx="1469931" cy="352235"/>
+            <a:off x="5000403" y="4798589"/>
+            <a:ext cx="1349276" cy="352234"/>
           </a:xfrm>
           <a:prstGeom prst="rect">
             <a:avLst/>
@@ -4137,31 +4440,7 @@
       </p:pic>
       <p:pic>
         <p:nvPicPr>
-          <p:cNvPr id="83" name="Picture 82"/>
-          <p:cNvPicPr/>
-          <p:nvPr/>
-        </p:nvPicPr>
-        <p:blipFill>
-          <a:blip r:embed="rId5">
-            <a:extLst/>
-          </a:blip>
-          <a:stretch>
-            <a:fillRect/>
-          </a:stretch>
-        </p:blipFill>
-        <p:spPr>
-          <a:xfrm rot="21600000">
-            <a:off x="8719798" y="5145221"/>
-            <a:ext cx="1349276" cy="352235"/>
-          </a:xfrm>
-          <a:prstGeom prst="rect">
-            <a:avLst/>
-          </a:prstGeom>
-        </p:spPr>
-      </p:pic>
-      <p:pic>
-        <p:nvPicPr>
-          <p:cNvPr id="85" name="Picture 84"/>
+          <p:cNvPr id="81" name="Picture 80"/>
           <p:cNvPicPr/>
           <p:nvPr/>
         </p:nvPicPr>
@@ -4174,6 +4453,54 @@
           </a:stretch>
         </p:blipFill>
         <p:spPr>
+          <a:xfrm rot="10800000">
+            <a:off x="8640523" y="4799089"/>
+            <a:ext cx="1469931" cy="352235"/>
+          </a:xfrm>
+          <a:prstGeom prst="rect">
+            <a:avLst/>
+          </a:prstGeom>
+        </p:spPr>
+      </p:pic>
+      <p:pic>
+        <p:nvPicPr>
+          <p:cNvPr id="83" name="Picture 82"/>
+          <p:cNvPicPr/>
+          <p:nvPr/>
+        </p:nvPicPr>
+        <p:blipFill>
+          <a:blip r:embed="rId6">
+            <a:extLst/>
+          </a:blip>
+          <a:stretch>
+            <a:fillRect/>
+          </a:stretch>
+        </p:blipFill>
+        <p:spPr>
+          <a:xfrm rot="21600000">
+            <a:off x="8719798" y="5145221"/>
+            <a:ext cx="1349276" cy="352235"/>
+          </a:xfrm>
+          <a:prstGeom prst="rect">
+            <a:avLst/>
+          </a:prstGeom>
+        </p:spPr>
+      </p:pic>
+      <p:pic>
+        <p:nvPicPr>
+          <p:cNvPr id="85" name="Picture 84"/>
+          <p:cNvPicPr/>
+          <p:nvPr/>
+        </p:nvPicPr>
+        <p:blipFill>
+          <a:blip r:embed="rId11">
+            <a:extLst/>
+          </a:blip>
+          <a:stretch>
+            <a:fillRect/>
+          </a:stretch>
+        </p:blipFill>
+        <p:spPr>
           <a:xfrm rot="16200000">
             <a:off x="7229997" y="5954324"/>
             <a:ext cx="846007" cy="352234"/>
@@ -4190,7 +4517,7 @@
           <p:nvPr/>
         </p:nvPicPr>
         <p:blipFill>
-          <a:blip r:embed="rId11">
+          <a:blip r:embed="rId12">
             <a:extLst/>
           </a:blip>
           <a:stretch>
@@ -4250,7 +4577,7 @@
           <p:nvPr/>
         </p:nvPicPr>
         <p:blipFill>
-          <a:blip r:embed="rId12">
+          <a:blip r:embed="rId13">
             <a:extLst/>
           </a:blip>
           <a:stretch>
@@ -4277,7 +4604,7 @@
           <p:nvPr/>
         </p:nvPicPr>
         <p:blipFill>
-          <a:blip r:embed="rId13">
+          <a:blip r:embed="rId14">
             <a:extLst/>
           </a:blip>
           <a:stretch>
@@ -4700,7 +5027,7 @@
           <p:nvPr/>
         </p:nvPicPr>
         <p:blipFill>
-          <a:blip r:embed="rId14">
+          <a:blip r:embed="rId15">
             <a:extLst>
               <a:ext uri="{28A0092B-C50C-407E-A947-70E740481C1C}">
                 <a14:useLocalDpi xmlns:a14="http://schemas.microsoft.com/office/drawing/2010/main" val="0"/>
@@ -4817,7 +5144,7 @@
           <p:nvPr/>
         </p:nvPicPr>
         <p:blipFill>
-          <a:blip r:embed="rId7">
+          <a:blip r:embed="rId8">
             <a:extLst/>
           </a:blip>
           <a:stretch>
@@ -4841,7 +5168,7 @@
           <p:nvPr/>
         </p:nvPicPr>
         <p:blipFill>
-          <a:blip r:embed="rId7">
+          <a:blip r:embed="rId8">
             <a:extLst/>
           </a:blip>
           <a:stretch>
@@ -4939,7 +5266,7 @@
           <p:nvPr/>
         </p:nvPicPr>
         <p:blipFill>
-          <a:blip r:embed="rId7">
+          <a:blip r:embed="rId8">
             <a:extLst/>
           </a:blip>
           <a:stretch>
@@ -5023,12 +5350,12 @@
       </p:sp>
       <p:pic>
         <p:nvPicPr>
-          <p:cNvPr id="42" name="Picture 41"/>
+          <p:cNvPr id="44" name="Picture 43"/>
           <p:cNvPicPr/>
           <p:nvPr/>
         </p:nvPicPr>
         <p:blipFill>
-          <a:blip r:embed="rId11">
+          <a:blip r:embed="rId12">
             <a:extLst/>
           </a:blip>
           <a:stretch>
@@ -5036,9 +5363,257 @@
           </a:stretch>
         </p:blipFill>
         <p:spPr>
-          <a:xfrm flipV="1">
-            <a:off x="3916916" y="1312750"/>
-            <a:ext cx="2432763" cy="45719"/>
+          <a:xfrm>
+            <a:off x="3994817" y="1322442"/>
+            <a:ext cx="2330758" cy="76201"/>
+          </a:xfrm>
+          <a:prstGeom prst="rect">
+            <a:avLst/>
+          </a:prstGeom>
+        </p:spPr>
+      </p:pic>
+      <p:sp>
+        <p:nvSpPr>
+          <p:cNvPr id="45" name="Shape 70"/>
+          <p:cNvSpPr/>
+          <p:nvPr/>
+        </p:nvSpPr>
+        <p:spPr>
+          <a:xfrm>
+            <a:off x="10378475" y="6681018"/>
+            <a:ext cx="2069771" cy="1011238"/>
+          </a:xfrm>
+          <a:prstGeom prst="roundRect">
+            <a:avLst>
+              <a:gd name="adj" fmla="val 18838"/>
+            </a:avLst>
+          </a:prstGeom>
+          <a:ln>
+            <a:solidFill>
+              <a:schemeClr val="bg2"/>
+            </a:solidFill>
+          </a:ln>
+          <a:extLst>
+            <a:ext uri="{C572A759-6A51-4108-AA02-DFA0A04FC94B}">
+              <ma14:wrappingTextBoxFlag xmlns:ma14="http://schemas.microsoft.com/office/mac/drawingml/2011/main" val="1"/>
+            </a:ext>
+          </a:extLst>
+        </p:spPr>
+        <p:style>
+          <a:lnRef idx="1">
+            <a:schemeClr val="dk1"/>
+          </a:lnRef>
+          <a:fillRef idx="2">
+            <a:schemeClr val="dk1"/>
+          </a:fillRef>
+          <a:effectRef idx="1">
+            <a:schemeClr val="dk1"/>
+          </a:effectRef>
+          <a:fontRef idx="minor">
+            <a:schemeClr val="dk1"/>
+          </a:fontRef>
+        </p:style>
+        <p:txBody>
+          <a:bodyPr lIns="0" tIns="0" rIns="0" bIns="0" anchor="ctr"/>
+          <a:lstStyle>
+            <a:lvl1pPr>
+              <a:defRPr sz="2400" b="1">
+                <a:solidFill>
+                  <a:srgbClr val="FFFFFF"/>
+                </a:solidFill>
+                <a:latin typeface="Helvetica"/>
+                <a:ea typeface="Helvetica"/>
+                <a:cs typeface="Helvetica"/>
+                <a:sym typeface="Helvetica"/>
+              </a:defRPr>
+            </a:lvl1pPr>
+          </a:lstStyle>
+          <a:p>
+            <a:pPr lvl="0">
+              <a:defRPr sz="1800" b="0">
+                <a:solidFill>
+                  <a:srgbClr val="000000"/>
+                </a:solidFill>
+              </a:defRPr>
+            </a:pPr>
+            <a:r>
+              <a:rPr lang="en-US" sz="2400" b="1" dirty="0" smtClean="0">
+                <a:solidFill>
+                  <a:srgbClr val="FFFFFF"/>
+                </a:solidFill>
+              </a:rPr>
+              <a:t>News</a:t>
+            </a:r>
+            <a:endParaRPr sz="2400" b="1" dirty="0">
+              <a:solidFill>
+                <a:srgbClr val="FFFFFF"/>
+              </a:solidFill>
+            </a:endParaRPr>
+          </a:p>
+        </p:txBody>
+      </p:sp>
+      <p:pic>
+        <p:nvPicPr>
+          <p:cNvPr id="47" name="Picture 46"/>
+          <p:cNvPicPr/>
+          <p:nvPr/>
+        </p:nvPicPr>
+        <p:blipFill>
+          <a:blip r:embed="rId16">
+            <a:alphaModFix/>
+            <a:duotone>
+              <a:schemeClr val="bg2">
+                <a:shade val="45000"/>
+                <a:satMod val="135000"/>
+              </a:schemeClr>
+              <a:prstClr val="white"/>
+            </a:duotone>
+            <a:extLst>
+              <a:ext uri="{BEBA8EAE-BF5A-486C-A8C5-ECC9F3942E4B}">
+                <a14:imgProps xmlns:a14="http://schemas.microsoft.com/office/drawing/2010/main">
+                  <a14:imgLayer r:embed="rId17">
+                    <a14:imgEffect>
+                      <a14:saturation sat="0"/>
+                    </a14:imgEffect>
+                  </a14:imgLayer>
+                </a14:imgProps>
+              </a:ext>
+            </a:extLst>
+          </a:blip>
+          <a:stretch>
+            <a:fillRect/>
+          </a:stretch>
+        </p:blipFill>
+        <p:spPr>
+          <a:xfrm rot="16200000">
+            <a:off x="11205265" y="6081896"/>
+            <a:ext cx="846007" cy="352234"/>
+          </a:xfrm>
+          <a:prstGeom prst="rect">
+            <a:avLst/>
+          </a:prstGeom>
+        </p:spPr>
+      </p:pic>
+      <p:pic>
+        <p:nvPicPr>
+          <p:cNvPr id="49" name="Picture 48"/>
+          <p:cNvPicPr/>
+          <p:nvPr/>
+        </p:nvPicPr>
+        <p:blipFill>
+          <a:blip r:embed="rId16">
+            <a:alphaModFix/>
+            <a:duotone>
+              <a:schemeClr val="bg2">
+                <a:shade val="45000"/>
+                <a:satMod val="135000"/>
+              </a:schemeClr>
+              <a:prstClr val="white"/>
+            </a:duotone>
+            <a:extLst>
+              <a:ext uri="{BEBA8EAE-BF5A-486C-A8C5-ECC9F3942E4B}">
+                <a14:imgProps xmlns:a14="http://schemas.microsoft.com/office/drawing/2010/main">
+                  <a14:imgLayer r:embed="rId18">
+                    <a14:imgEffect>
+                      <a14:saturation sat="0"/>
+                    </a14:imgEffect>
+                  </a14:imgLayer>
+                </a14:imgProps>
+              </a:ext>
+            </a:extLst>
+          </a:blip>
+          <a:stretch>
+            <a:fillRect/>
+          </a:stretch>
+        </p:blipFill>
+        <p:spPr>
+          <a:xfrm rot="5194337">
+            <a:off x="10755059" y="6073425"/>
+            <a:ext cx="846007" cy="352234"/>
+          </a:xfrm>
+          <a:prstGeom prst="rect">
+            <a:avLst/>
+          </a:prstGeom>
+        </p:spPr>
+      </p:pic>
+      <p:pic>
+        <p:nvPicPr>
+          <p:cNvPr id="50" name="Picture 49"/>
+          <p:cNvPicPr/>
+          <p:nvPr/>
+        </p:nvPicPr>
+        <p:blipFill>
+          <a:blip r:embed="rId16">
+            <a:alphaModFix/>
+            <a:duotone>
+              <a:schemeClr val="bg2">
+                <a:shade val="45000"/>
+                <a:satMod val="135000"/>
+              </a:schemeClr>
+              <a:prstClr val="white"/>
+            </a:duotone>
+            <a:extLst>
+              <a:ext uri="{BEBA8EAE-BF5A-486C-A8C5-ECC9F3942E4B}">
+                <a14:imgProps xmlns:a14="http://schemas.microsoft.com/office/drawing/2010/main">
+                  <a14:imgLayer r:embed="rId18">
+                    <a14:imgEffect>
+                      <a14:saturation sat="0"/>
+                    </a14:imgEffect>
+                  </a14:imgLayer>
+                </a14:imgProps>
+              </a:ext>
+            </a:extLst>
+          </a:blip>
+          <a:stretch>
+            <a:fillRect/>
+          </a:stretch>
+        </p:blipFill>
+        <p:spPr>
+          <a:xfrm>
+            <a:off x="9074210" y="6800331"/>
+            <a:ext cx="846007" cy="352234"/>
+          </a:xfrm>
+          <a:prstGeom prst="rect">
+            <a:avLst/>
+          </a:prstGeom>
+        </p:spPr>
+      </p:pic>
+      <p:pic>
+        <p:nvPicPr>
+          <p:cNvPr id="51" name="Picture 50"/>
+          <p:cNvPicPr/>
+          <p:nvPr/>
+        </p:nvPicPr>
+        <p:blipFill>
+          <a:blip r:embed="rId16">
+            <a:alphaModFix/>
+            <a:duotone>
+              <a:schemeClr val="bg2">
+                <a:shade val="45000"/>
+                <a:satMod val="135000"/>
+              </a:schemeClr>
+              <a:prstClr val="white"/>
+            </a:duotone>
+            <a:extLst>
+              <a:ext uri="{BEBA8EAE-BF5A-486C-A8C5-ECC9F3942E4B}">
+                <a14:imgProps xmlns:a14="http://schemas.microsoft.com/office/drawing/2010/main">
+                  <a14:imgLayer r:embed="rId18">
+                    <a14:imgEffect>
+                      <a14:saturation sat="0"/>
+                    </a14:imgEffect>
+                  </a14:imgLayer>
+                </a14:imgProps>
+              </a:ext>
+            </a:extLst>
+          </a:blip>
+          <a:stretch>
+            <a:fillRect/>
+          </a:stretch>
+        </p:blipFill>
+        <p:spPr>
+          <a:xfrm rot="10800000">
+            <a:off x="9092964" y="7134639"/>
+            <a:ext cx="846007" cy="352234"/>
           </a:xfrm>
           <a:prstGeom prst="rect">
             <a:avLst/>
@@ -5078,36 +5653,83 @@
           <a:chExt cx="0" cy="0"/>
         </a:xfrm>
       </p:grpSpPr>
-      <p:pic>
-        <p:nvPicPr>
-          <p:cNvPr id="5" name="Picture 4" descr="extensionnavigation_architecture.png"/>
-          <p:cNvPicPr>
-            <a:picLocks noChangeAspect="1"/>
-          </p:cNvPicPr>
+      <p:sp>
+        <p:nvSpPr>
+          <p:cNvPr id="2" name="TextBox 1"/>
+          <p:cNvSpPr txBox="1"/>
           <p:nvPr/>
-        </p:nvPicPr>
-        <p:blipFill>
-          <a:blip r:embed="rId2">
-            <a:extLst>
-              <a:ext uri="{28A0092B-C50C-407E-A947-70E740481C1C}">
-                <a14:useLocalDpi xmlns:a14="http://schemas.microsoft.com/office/drawing/2010/main" val="0"/>
-              </a:ext>
-            </a:extLst>
-          </a:blip>
-          <a:stretch>
-            <a:fillRect/>
-          </a:stretch>
-        </p:blipFill>
+        </p:nvSpPr>
         <p:spPr>
           <a:xfrm>
-            <a:off x="114062" y="0"/>
-            <a:ext cx="11414554" cy="9765281"/>
+            <a:off x="3105797" y="493430"/>
+            <a:ext cx="7481398" cy="779701"/>
           </a:xfrm>
           <a:prstGeom prst="rect">
             <a:avLst/>
           </a:prstGeom>
-        </p:spPr>
-      </p:pic>
+          <a:noFill/>
+          <a:ln w="12700" cap="flat">
+            <a:noFill/>
+            <a:miter lim="400000"/>
+          </a:ln>
+          <a:effectLst/>
+        </p:spPr>
+        <p:style>
+          <a:lnRef idx="0">
+            <a:scrgbClr r="0" g="0" b="0"/>
+          </a:lnRef>
+          <a:fillRef idx="0">
+            <a:scrgbClr r="0" g="0" b="0"/>
+          </a:fillRef>
+          <a:effectRef idx="0">
+            <a:scrgbClr r="0" g="0" b="0"/>
+          </a:effectRef>
+          <a:fontRef idx="none"/>
+        </p:style>
+        <p:txBody>
+          <a:bodyPr rot="0" spcFirstLastPara="1" vertOverflow="overflow" horzOverflow="overflow" vert="horz" wrap="square" lIns="50800" tIns="50800" rIns="50800" bIns="50800" numCol="1" spcCol="38100" rtlCol="0" anchor="ctr">
+            <a:spAutoFit/>
+          </a:bodyPr>
+          <a:lstStyle/>
+          <a:p>
+            <a:pPr marL="0" marR="0" indent="0" algn="ctr" defTabSz="584200" rtl="0" fontAlgn="auto" latinLnBrk="1" hangingPunct="0">
+              <a:lnSpc>
+                <a:spcPct val="100000"/>
+              </a:lnSpc>
+              <a:spcBef>
+                <a:spcPts val="0"/>
+              </a:spcBef>
+              <a:spcAft>
+                <a:spcPts val="0"/>
+              </a:spcAft>
+              <a:buClrTx/>
+              <a:buSzTx/>
+              <a:buFontTx/>
+              <a:buNone/>
+              <a:tabLst/>
+            </a:pPr>
+            <a:r>
+              <a:rPr lang="en-US" sz="4400" b="1" dirty="0" smtClean="0">
+                <a:solidFill>
+                  <a:srgbClr val="000000"/>
+                </a:solidFill>
+              </a:rPr>
+              <a:t>Browser Extension ?</a:t>
+            </a:r>
+            <a:endParaRPr kumimoji="0" lang="en-US" sz="4400" b="1" i="0" u="none" strike="noStrike" cap="none" spc="0" normalizeH="0" baseline="0" dirty="0">
+              <a:ln>
+                <a:noFill/>
+              </a:ln>
+              <a:solidFill>
+                <a:srgbClr val="000000"/>
+              </a:solidFill>
+              <a:effectLst/>
+              <a:uFillTx/>
+              <a:sym typeface="Helvetica Light"/>
+            </a:endParaRPr>
+          </a:p>
+        </p:txBody>
+      </p:sp>
       <p:sp>
         <p:nvSpPr>
           <p:cNvPr id="3" name="TextBox 2"/>
@@ -5116,8 +5738,318 @@
         </p:nvSpPr>
         <p:spPr>
           <a:xfrm>
-            <a:off x="9325229" y="166639"/>
-            <a:ext cx="3176078" cy="779701"/>
+            <a:off x="5588124" y="3048180"/>
+            <a:ext cx="102592" cy="656590"/>
+          </a:xfrm>
+          <a:prstGeom prst="rect">
+            <a:avLst/>
+          </a:prstGeom>
+          <a:noFill/>
+          <a:ln w="12700" cap="flat">
+            <a:noFill/>
+            <a:miter lim="400000"/>
+          </a:ln>
+          <a:effectLst/>
+        </p:spPr>
+        <p:style>
+          <a:lnRef idx="0">
+            <a:scrgbClr r="0" g="0" b="0"/>
+          </a:lnRef>
+          <a:fillRef idx="0">
+            <a:scrgbClr r="0" g="0" b="0"/>
+          </a:fillRef>
+          <a:effectRef idx="0">
+            <a:scrgbClr r="0" g="0" b="0"/>
+          </a:effectRef>
+          <a:fontRef idx="none"/>
+        </p:style>
+        <p:txBody>
+          <a:bodyPr rot="0" spcFirstLastPara="1" vertOverflow="overflow" horzOverflow="overflow" vert="horz" wrap="none" lIns="50800" tIns="50800" rIns="50800" bIns="50800" numCol="1" spcCol="38100" rtlCol="0" anchor="ctr">
+            <a:spAutoFit/>
+          </a:bodyPr>
+          <a:lstStyle/>
+          <a:p>
+            <a:pPr marL="0" marR="0" indent="0" algn="ctr" defTabSz="584200" rtl="0" fontAlgn="auto" latinLnBrk="1" hangingPunct="0">
+              <a:lnSpc>
+                <a:spcPct val="100000"/>
+              </a:lnSpc>
+              <a:spcBef>
+                <a:spcPts val="0"/>
+              </a:spcBef>
+              <a:spcAft>
+                <a:spcPts val="0"/>
+              </a:spcAft>
+              <a:buClrTx/>
+              <a:buSzTx/>
+              <a:buFontTx/>
+              <a:buNone/>
+              <a:tabLst/>
+            </a:pPr>
+            <a:endParaRPr kumimoji="0" lang="en-US" sz="3600" b="0" i="0" u="none" strike="noStrike" cap="none" spc="0" normalizeH="0" baseline="0" dirty="0">
+              <a:ln>
+                <a:noFill/>
+              </a:ln>
+              <a:solidFill>
+                <a:srgbClr val="000000"/>
+              </a:solidFill>
+              <a:effectLst/>
+              <a:uFillTx/>
+              <a:latin typeface="+mn-lt"/>
+              <a:ea typeface="+mn-ea"/>
+              <a:cs typeface="+mn-cs"/>
+              <a:sym typeface="Helvetica Light"/>
+            </a:endParaRPr>
+          </a:p>
+        </p:txBody>
+      </p:sp>
+      <p:sp>
+        <p:nvSpPr>
+          <p:cNvPr id="5" name="TextBox 4"/>
+          <p:cNvSpPr txBox="1"/>
+          <p:nvPr/>
+        </p:nvSpPr>
+        <p:spPr>
+          <a:xfrm>
+            <a:off x="5276390" y="3256011"/>
+            <a:ext cx="102592" cy="656590"/>
+          </a:xfrm>
+          <a:prstGeom prst="rect">
+            <a:avLst/>
+          </a:prstGeom>
+          <a:noFill/>
+          <a:ln w="12700" cap="flat">
+            <a:noFill/>
+            <a:miter lim="400000"/>
+          </a:ln>
+          <a:effectLst/>
+        </p:spPr>
+        <p:style>
+          <a:lnRef idx="0">
+            <a:scrgbClr r="0" g="0" b="0"/>
+          </a:lnRef>
+          <a:fillRef idx="0">
+            <a:scrgbClr r="0" g="0" b="0"/>
+          </a:fillRef>
+          <a:effectRef idx="0">
+            <a:scrgbClr r="0" g="0" b="0"/>
+          </a:effectRef>
+          <a:fontRef idx="none"/>
+        </p:style>
+        <p:txBody>
+          <a:bodyPr rot="0" spcFirstLastPara="1" vertOverflow="overflow" horzOverflow="overflow" vert="horz" wrap="none" lIns="50800" tIns="50800" rIns="50800" bIns="50800" numCol="1" spcCol="38100" rtlCol="0" anchor="ctr">
+            <a:spAutoFit/>
+          </a:bodyPr>
+          <a:lstStyle/>
+          <a:p>
+            <a:pPr marL="0" marR="0" indent="0" algn="ctr" defTabSz="584200" rtl="0" fontAlgn="auto" latinLnBrk="1" hangingPunct="0">
+              <a:lnSpc>
+                <a:spcPct val="100000"/>
+              </a:lnSpc>
+              <a:spcBef>
+                <a:spcPts val="0"/>
+              </a:spcBef>
+              <a:spcAft>
+                <a:spcPts val="0"/>
+              </a:spcAft>
+              <a:buClrTx/>
+              <a:buSzTx/>
+              <a:buFontTx/>
+              <a:buNone/>
+              <a:tabLst/>
+            </a:pPr>
+            <a:endParaRPr kumimoji="0" lang="en-US" sz="3600" b="0" i="0" u="none" strike="noStrike" cap="none" spc="0" normalizeH="0" baseline="0" dirty="0">
+              <a:ln>
+                <a:noFill/>
+              </a:ln>
+              <a:solidFill>
+                <a:srgbClr val="000000"/>
+              </a:solidFill>
+              <a:effectLst/>
+              <a:uFillTx/>
+              <a:latin typeface="+mn-lt"/>
+              <a:ea typeface="+mn-ea"/>
+              <a:cs typeface="+mn-cs"/>
+              <a:sym typeface="Helvetica Light"/>
+            </a:endParaRPr>
+          </a:p>
+        </p:txBody>
+      </p:sp>
+      <p:sp>
+        <p:nvSpPr>
+          <p:cNvPr id="6" name="Title 1"/>
+          <p:cNvSpPr>
+            <a:spLocks noGrp="1"/>
+          </p:cNvSpPr>
+          <p:nvPr/>
+        </p:nvSpPr>
+        <p:spPr>
+          <a:xfrm>
+            <a:off x="1230864" y="1541443"/>
+            <a:ext cx="8229600" cy="1143000"/>
+          </a:xfrm>
+          <a:prstGeom prst="rect">
+            <a:avLst/>
+          </a:prstGeom>
+        </p:spPr>
+        <p:txBody>
+          <a:bodyPr vert="horz" lIns="91440" tIns="45720" rIns="91440" bIns="45720" rtlCol="0" anchor="ctr">
+            <a:normAutofit/>
+          </a:bodyPr>
+          <a:lstStyle>
+            <a:lvl1pPr algn="ctr" defTabSz="457200" rtl="0" eaLnBrk="1" latinLnBrk="0" hangingPunct="1">
+              <a:spcBef>
+                <a:spcPct val="0"/>
+              </a:spcBef>
+              <a:buNone/>
+              <a:defRPr sz="4400" kern="1200">
+                <a:solidFill>
+                  <a:schemeClr val="tx1"/>
+                </a:solidFill>
+                <a:latin typeface="+mj-lt"/>
+                <a:ea typeface="+mj-ea"/>
+                <a:cs typeface="+mj-cs"/>
+              </a:defRPr>
+            </a:lvl1pPr>
+          </a:lstStyle>
+          <a:p>
+            <a:endParaRPr lang="en-US" kern="1200"/>
+          </a:p>
+        </p:txBody>
+      </p:sp>
+      <p:sp>
+        <p:nvSpPr>
+          <p:cNvPr id="8" name="TextBox 7"/>
+          <p:cNvSpPr txBox="1"/>
+          <p:nvPr/>
+        </p:nvSpPr>
+        <p:spPr>
+          <a:xfrm>
+            <a:off x="1" y="4387750"/>
+            <a:ext cx="2655512" cy="1210588"/>
+          </a:xfrm>
+          <a:prstGeom prst="rect">
+            <a:avLst/>
+          </a:prstGeom>
+          <a:noFill/>
+          <a:ln w="12700" cap="flat">
+            <a:noFill/>
+            <a:miter lim="400000"/>
+          </a:ln>
+          <a:effectLst/>
+        </p:spPr>
+        <p:style>
+          <a:lnRef idx="0">
+            <a:scrgbClr r="0" g="0" b="0"/>
+          </a:lnRef>
+          <a:fillRef idx="0">
+            <a:scrgbClr r="0" g="0" b="0"/>
+          </a:fillRef>
+          <a:effectRef idx="0">
+            <a:scrgbClr r="0" g="0" b="0"/>
+          </a:effectRef>
+          <a:fontRef idx="none"/>
+        </p:style>
+        <p:txBody>
+          <a:bodyPr rot="0" spcFirstLastPara="1" vertOverflow="overflow" horzOverflow="overflow" vert="horz" wrap="square" lIns="50800" tIns="50800" rIns="50800" bIns="50800" numCol="1" spcCol="38100" rtlCol="0" anchor="ctr">
+            <a:spAutoFit/>
+          </a:bodyPr>
+          <a:lstStyle/>
+          <a:p>
+            <a:pPr marL="0" marR="0" indent="0" algn="ctr" defTabSz="584200" rtl="0" fontAlgn="auto" latinLnBrk="1" hangingPunct="0">
+              <a:lnSpc>
+                <a:spcPct val="100000"/>
+              </a:lnSpc>
+              <a:spcBef>
+                <a:spcPts val="0"/>
+              </a:spcBef>
+              <a:spcAft>
+                <a:spcPts val="0"/>
+              </a:spcAft>
+              <a:buClrTx/>
+              <a:buSzTx/>
+              <a:buFontTx/>
+              <a:buNone/>
+              <a:tabLst/>
+            </a:pPr>
+            <a:r>
+              <a:rPr kumimoji="0" lang="en-US" sz="3600" b="0" i="0" u="none" strike="noStrike" cap="none" spc="0" normalizeH="0" baseline="0" dirty="0" smtClean="0">
+                <a:ln>
+                  <a:noFill/>
+                </a:ln>
+                <a:solidFill>
+                  <a:srgbClr val="000000"/>
+                </a:solidFill>
+                <a:effectLst/>
+                <a:uFillTx/>
+                <a:latin typeface="+mn-lt"/>
+                <a:ea typeface="+mn-ea"/>
+                <a:cs typeface="+mn-cs"/>
+                <a:sym typeface="Helvetica Light"/>
+              </a:rPr>
+              <a:t>Firefox </a:t>
+            </a:r>
+          </a:p>
+          <a:p>
+            <a:pPr marL="0" marR="0" indent="0" algn="ctr" defTabSz="584200" rtl="0" fontAlgn="auto" latinLnBrk="1" hangingPunct="0">
+              <a:lnSpc>
+                <a:spcPct val="100000"/>
+              </a:lnSpc>
+              <a:spcBef>
+                <a:spcPts val="0"/>
+              </a:spcBef>
+              <a:spcAft>
+                <a:spcPts val="0"/>
+              </a:spcAft>
+              <a:buClrTx/>
+              <a:buSzTx/>
+              <a:buFontTx/>
+              <a:buNone/>
+              <a:tabLst/>
+            </a:pPr>
+            <a:r>
+              <a:rPr kumimoji="0" lang="en-US" sz="3600" b="0" i="0" u="none" strike="noStrike" cap="none" spc="0" normalizeH="0" baseline="0" dirty="0" smtClean="0">
+                <a:ln>
+                  <a:noFill/>
+                </a:ln>
+                <a:solidFill>
+                  <a:srgbClr val="000000"/>
+                </a:solidFill>
+                <a:effectLst/>
+                <a:uFillTx/>
+                <a:latin typeface="+mn-lt"/>
+                <a:ea typeface="+mn-ea"/>
+                <a:cs typeface="+mn-cs"/>
+                <a:sym typeface="Helvetica Light"/>
+              </a:rPr>
+              <a:t>Add-ons </a:t>
+            </a:r>
+            <a:endParaRPr kumimoji="0" lang="en-US" sz="3600" b="0" i="0" u="none" strike="noStrike" cap="none" spc="0" normalizeH="0" baseline="0" dirty="0">
+              <a:ln>
+                <a:noFill/>
+              </a:ln>
+              <a:solidFill>
+                <a:srgbClr val="000000"/>
+              </a:solidFill>
+              <a:effectLst/>
+              <a:uFillTx/>
+              <a:latin typeface="+mn-lt"/>
+              <a:ea typeface="+mn-ea"/>
+              <a:cs typeface="+mn-cs"/>
+              <a:sym typeface="Helvetica Light"/>
+            </a:endParaRPr>
+          </a:p>
+        </p:txBody>
+      </p:sp>
+      <p:sp>
+        <p:nvSpPr>
+          <p:cNvPr id="9" name="TextBox 8"/>
+          <p:cNvSpPr txBox="1"/>
+          <p:nvPr/>
+        </p:nvSpPr>
+        <p:spPr>
+          <a:xfrm>
+            <a:off x="4468435" y="2719885"/>
+            <a:ext cx="1744730" cy="656590"/>
           </a:xfrm>
           <a:prstGeom prst="rect">
             <a:avLst/>
@@ -5164,7 +6096,7 @@
               <a:tabLst/>
             </a:pPr>
             <a:r>
-              <a:rPr kumimoji="0" lang="en-US" sz="4400" b="1" i="0" u="none" strike="noStrike" cap="none" spc="0" normalizeH="0" baseline="0" dirty="0" smtClean="0">
+              <a:rPr kumimoji="0" lang="en-US" sz="3600" b="0" i="0" u="none" strike="noStrike" cap="none" spc="0" normalizeH="0" baseline="0" dirty="0" smtClean="0">
                 <a:ln>
                   <a:noFill/>
                 </a:ln>
@@ -5178,9 +6110,9 @@
                 <a:cs typeface="+mn-cs"/>
                 <a:sym typeface="Helvetica Light"/>
               </a:rPr>
-              <a:t>Architecture</a:t>
+              <a:t>Themes</a:t>
             </a:r>
-            <a:endParaRPr kumimoji="0" lang="en-US" sz="4400" b="1" i="0" u="none" strike="noStrike" cap="none" spc="0" normalizeH="0" baseline="0" dirty="0">
+            <a:endParaRPr kumimoji="0" lang="en-US" sz="3600" b="0" i="0" u="none" strike="noStrike" cap="none" spc="0" normalizeH="0" baseline="0" dirty="0">
               <a:ln>
                 <a:noFill/>
               </a:ln>
@@ -5197,7 +6129,843 @@
           </a:p>
         </p:txBody>
       </p:sp>
+      <p:sp>
+        <p:nvSpPr>
+          <p:cNvPr id="10" name="TextBox 9"/>
+          <p:cNvSpPr txBox="1"/>
+          <p:nvPr/>
+        </p:nvSpPr>
+        <p:spPr>
+          <a:xfrm>
+            <a:off x="4250599" y="5175731"/>
+            <a:ext cx="8363564" cy="656590"/>
+          </a:xfrm>
+          <a:prstGeom prst="rect">
+            <a:avLst/>
+          </a:prstGeom>
+          <a:noFill/>
+          <a:ln w="12700" cap="flat">
+            <a:noFill/>
+            <a:miter lim="400000"/>
+          </a:ln>
+          <a:effectLst/>
+        </p:spPr>
+        <p:style>
+          <a:lnRef idx="0">
+            <a:scrgbClr r="0" g="0" b="0"/>
+          </a:lnRef>
+          <a:fillRef idx="0">
+            <a:scrgbClr r="0" g="0" b="0"/>
+          </a:fillRef>
+          <a:effectRef idx="0">
+            <a:scrgbClr r="0" g="0" b="0"/>
+          </a:effectRef>
+          <a:fontRef idx="none"/>
+        </p:style>
+        <p:txBody>
+          <a:bodyPr rot="0" spcFirstLastPara="1" vertOverflow="overflow" horzOverflow="overflow" vert="horz" wrap="none" lIns="50800" tIns="50800" rIns="50800" bIns="50800" numCol="1" spcCol="38100" rtlCol="0" anchor="ctr">
+            <a:spAutoFit/>
+          </a:bodyPr>
+          <a:lstStyle/>
+          <a:p>
+            <a:pPr marL="0" marR="0" indent="0" algn="ctr" defTabSz="584200" rtl="0" fontAlgn="auto" latinLnBrk="1" hangingPunct="0">
+              <a:lnSpc>
+                <a:spcPct val="100000"/>
+              </a:lnSpc>
+              <a:spcBef>
+                <a:spcPts val="0"/>
+              </a:spcBef>
+              <a:spcAft>
+                <a:spcPts val="0"/>
+              </a:spcAft>
+              <a:buClrTx/>
+              <a:buSzTx/>
+              <a:buFontTx/>
+              <a:buNone/>
+              <a:tabLst/>
+            </a:pPr>
+            <a:r>
+              <a:rPr kumimoji="0" lang="en-US" sz="3600" b="0" i="0" u="none" strike="noStrike" cap="none" spc="0" normalizeH="0" baseline="0" dirty="0" smtClean="0">
+                <a:ln>
+                  <a:noFill/>
+                </a:ln>
+                <a:solidFill>
+                  <a:srgbClr val="000000"/>
+                </a:solidFill>
+                <a:effectLst/>
+                <a:uFillTx/>
+                <a:latin typeface="+mn-lt"/>
+                <a:ea typeface="+mn-ea"/>
+                <a:cs typeface="+mn-cs"/>
+                <a:sym typeface="Helvetica Light"/>
+              </a:rPr>
+              <a:t>Plugins (Acrobat reader, Java, Flash,…)</a:t>
+            </a:r>
+            <a:endParaRPr kumimoji="0" lang="en-US" sz="3600" b="0" i="0" u="none" strike="noStrike" cap="none" spc="0" normalizeH="0" baseline="0" dirty="0">
+              <a:ln>
+                <a:noFill/>
+              </a:ln>
+              <a:solidFill>
+                <a:srgbClr val="000000"/>
+              </a:solidFill>
+              <a:effectLst/>
+              <a:uFillTx/>
+              <a:latin typeface="+mn-lt"/>
+              <a:ea typeface="+mn-ea"/>
+              <a:cs typeface="+mn-cs"/>
+              <a:sym typeface="Helvetica Light"/>
+            </a:endParaRPr>
+          </a:p>
+        </p:txBody>
+      </p:sp>
+      <p:sp>
+        <p:nvSpPr>
+          <p:cNvPr id="11" name="TextBox 10"/>
+          <p:cNvSpPr txBox="1"/>
+          <p:nvPr/>
+        </p:nvSpPr>
+        <p:spPr>
+          <a:xfrm>
+            <a:off x="3240528" y="6903768"/>
+            <a:ext cx="2590056" cy="656590"/>
+          </a:xfrm>
+          <a:prstGeom prst="rect">
+            <a:avLst/>
+          </a:prstGeom>
+          <a:noFill/>
+          <a:ln w="12700" cap="flat">
+            <a:noFill/>
+            <a:miter lim="400000"/>
+          </a:ln>
+          <a:effectLst/>
+        </p:spPr>
+        <p:style>
+          <a:lnRef idx="0">
+            <a:scrgbClr r="0" g="0" b="0"/>
+          </a:lnRef>
+          <a:fillRef idx="0">
+            <a:scrgbClr r="0" g="0" b="0"/>
+          </a:fillRef>
+          <a:effectRef idx="0">
+            <a:scrgbClr r="0" g="0" b="0"/>
+          </a:effectRef>
+          <a:fontRef idx="none"/>
+        </p:style>
+        <p:txBody>
+          <a:bodyPr rot="0" spcFirstLastPara="1" vertOverflow="overflow" horzOverflow="overflow" vert="horz" wrap="square" lIns="50800" tIns="50800" rIns="50800" bIns="50800" numCol="1" spcCol="38100" rtlCol="0" anchor="ctr">
+            <a:spAutoFit/>
+          </a:bodyPr>
+          <a:lstStyle/>
+          <a:p>
+            <a:pPr marL="0" marR="0" indent="0" algn="ctr" defTabSz="584200" rtl="0" fontAlgn="auto" latinLnBrk="1" hangingPunct="0">
+              <a:lnSpc>
+                <a:spcPct val="100000"/>
+              </a:lnSpc>
+              <a:spcBef>
+                <a:spcPts val="0"/>
+              </a:spcBef>
+              <a:spcAft>
+                <a:spcPts val="0"/>
+              </a:spcAft>
+              <a:buClrTx/>
+              <a:buSzTx/>
+              <a:buFontTx/>
+              <a:buNone/>
+              <a:tabLst/>
+            </a:pPr>
+            <a:r>
+              <a:rPr kumimoji="0" lang="en-US" sz="3600" b="1" i="0" u="none" strike="noStrike" cap="none" spc="0" normalizeH="0" baseline="0" dirty="0" smtClean="0">
+                <a:ln>
+                  <a:noFill/>
+                </a:ln>
+                <a:solidFill>
+                  <a:srgbClr val="000000"/>
+                </a:solidFill>
+                <a:effectLst/>
+                <a:uFillTx/>
+                <a:latin typeface="+mn-lt"/>
+                <a:ea typeface="+mn-ea"/>
+                <a:cs typeface="+mn-cs"/>
+                <a:sym typeface="Helvetica Light"/>
+              </a:rPr>
+              <a:t>Extensions</a:t>
+            </a:r>
+            <a:endParaRPr kumimoji="0" lang="en-US" sz="3600" b="1" i="0" u="none" strike="noStrike" cap="none" spc="0" normalizeH="0" baseline="0" dirty="0">
+              <a:ln>
+                <a:noFill/>
+              </a:ln>
+              <a:solidFill>
+                <a:srgbClr val="000000"/>
+              </a:solidFill>
+              <a:effectLst/>
+              <a:uFillTx/>
+              <a:latin typeface="+mn-lt"/>
+              <a:ea typeface="+mn-ea"/>
+              <a:cs typeface="+mn-cs"/>
+              <a:sym typeface="Helvetica Light"/>
+            </a:endParaRPr>
+          </a:p>
+        </p:txBody>
+      </p:sp>
+      <p:cxnSp>
+        <p:nvCxnSpPr>
+          <p:cNvPr id="13" name="Straight Connector 12"/>
+          <p:cNvCxnSpPr>
+            <a:stCxn id="8" idx="3"/>
+            <a:endCxn id="9" idx="1"/>
+          </p:cNvCxnSpPr>
+          <p:nvPr/>
+        </p:nvCxnSpPr>
+        <p:spPr>
+          <a:xfrm flipV="1">
+            <a:off x="2655513" y="3048180"/>
+            <a:ext cx="1812922" cy="1944864"/>
+          </a:xfrm>
+          <a:prstGeom prst="line">
+            <a:avLst/>
+          </a:prstGeom>
+          <a:noFill/>
+          <a:ln w="25400" cap="flat">
+            <a:solidFill>
+              <a:srgbClr val="000000"/>
+            </a:solidFill>
+            <a:prstDash val="solid"/>
+            <a:miter lim="400000"/>
+          </a:ln>
+          <a:effectLst/>
+        </p:spPr>
+        <p:style>
+          <a:lnRef idx="0">
+            <a:scrgbClr r="0" g="0" b="0"/>
+          </a:lnRef>
+          <a:fillRef idx="0">
+            <a:scrgbClr r="0" g="0" b="0"/>
+          </a:fillRef>
+          <a:effectRef idx="0">
+            <a:scrgbClr r="0" g="0" b="0"/>
+          </a:effectRef>
+          <a:fontRef idx="none"/>
+        </p:style>
+      </p:cxnSp>
+      <p:cxnSp>
+        <p:nvCxnSpPr>
+          <p:cNvPr id="15" name="Straight Connector 14"/>
+          <p:cNvCxnSpPr>
+            <a:stCxn id="8" idx="3"/>
+            <a:endCxn id="10" idx="1"/>
+          </p:cNvCxnSpPr>
+          <p:nvPr/>
+        </p:nvCxnSpPr>
+        <p:spPr>
+          <a:xfrm>
+            <a:off x="2655513" y="4993044"/>
+            <a:ext cx="1595086" cy="510982"/>
+          </a:xfrm>
+          <a:prstGeom prst="line">
+            <a:avLst/>
+          </a:prstGeom>
+          <a:noFill/>
+          <a:ln w="25400" cap="flat">
+            <a:solidFill>
+              <a:srgbClr val="000000"/>
+            </a:solidFill>
+            <a:prstDash val="solid"/>
+            <a:miter lim="400000"/>
+          </a:ln>
+          <a:effectLst/>
+        </p:spPr>
+        <p:style>
+          <a:lnRef idx="0">
+            <a:scrgbClr r="0" g="0" b="0"/>
+          </a:lnRef>
+          <a:fillRef idx="0">
+            <a:scrgbClr r="0" g="0" b="0"/>
+          </a:fillRef>
+          <a:effectRef idx="0">
+            <a:scrgbClr r="0" g="0" b="0"/>
+          </a:effectRef>
+          <a:fontRef idx="none"/>
+        </p:style>
+      </p:cxnSp>
+      <p:cxnSp>
+        <p:nvCxnSpPr>
+          <p:cNvPr id="17" name="Straight Connector 16"/>
+          <p:cNvCxnSpPr>
+            <a:stCxn id="8" idx="3"/>
+            <a:endCxn id="11" idx="1"/>
+          </p:cNvCxnSpPr>
+          <p:nvPr/>
+        </p:nvCxnSpPr>
+        <p:spPr>
+          <a:xfrm>
+            <a:off x="2655513" y="4993044"/>
+            <a:ext cx="585015" cy="2239019"/>
+          </a:xfrm>
+          <a:prstGeom prst="line">
+            <a:avLst/>
+          </a:prstGeom>
+          <a:noFill/>
+          <a:ln w="25400" cap="flat">
+            <a:solidFill>
+              <a:srgbClr val="000000"/>
+            </a:solidFill>
+            <a:prstDash val="solid"/>
+            <a:miter lim="400000"/>
+          </a:ln>
+          <a:effectLst/>
+        </p:spPr>
+        <p:style>
+          <a:lnRef idx="0">
+            <a:scrgbClr r="0" g="0" b="0"/>
+          </a:lnRef>
+          <a:fillRef idx="0">
+            <a:scrgbClr r="0" g="0" b="0"/>
+          </a:fillRef>
+          <a:effectRef idx="0">
+            <a:scrgbClr r="0" g="0" b="0"/>
+          </a:effectRef>
+          <a:fontRef idx="none"/>
+        </p:style>
+      </p:cxnSp>
+      <p:sp>
+        <p:nvSpPr>
+          <p:cNvPr id="24" name="TextBox 23"/>
+          <p:cNvSpPr txBox="1"/>
+          <p:nvPr/>
+        </p:nvSpPr>
+        <p:spPr>
+          <a:xfrm>
+            <a:off x="4840076" y="3720915"/>
+            <a:ext cx="3592305" cy="656590"/>
+          </a:xfrm>
+          <a:prstGeom prst="rect">
+            <a:avLst/>
+          </a:prstGeom>
+          <a:noFill/>
+          <a:ln w="12700" cap="flat">
+            <a:noFill/>
+            <a:miter lim="400000"/>
+          </a:ln>
+          <a:effectLst/>
+        </p:spPr>
+        <p:style>
+          <a:lnRef idx="0">
+            <a:scrgbClr r="0" g="0" b="0"/>
+          </a:lnRef>
+          <a:fillRef idx="0">
+            <a:scrgbClr r="0" g="0" b="0"/>
+          </a:fillRef>
+          <a:effectRef idx="0">
+            <a:scrgbClr r="0" g="0" b="0"/>
+          </a:effectRef>
+          <a:fontRef idx="none"/>
+        </p:style>
+        <p:txBody>
+          <a:bodyPr rot="0" spcFirstLastPara="1" vertOverflow="overflow" horzOverflow="overflow" vert="horz" wrap="none" lIns="50800" tIns="50800" rIns="50800" bIns="50800" numCol="1" spcCol="38100" rtlCol="0" anchor="ctr">
+            <a:spAutoFit/>
+          </a:bodyPr>
+          <a:lstStyle/>
+          <a:p>
+            <a:pPr marL="0" marR="0" indent="0" algn="ctr" defTabSz="584200" rtl="0" fontAlgn="auto" latinLnBrk="1" hangingPunct="0">
+              <a:lnSpc>
+                <a:spcPct val="100000"/>
+              </a:lnSpc>
+              <a:spcBef>
+                <a:spcPts val="0"/>
+              </a:spcBef>
+              <a:spcAft>
+                <a:spcPts val="0"/>
+              </a:spcAft>
+              <a:buClrTx/>
+              <a:buSzTx/>
+              <a:buFontTx/>
+              <a:buNone/>
+              <a:tabLst/>
+            </a:pPr>
+            <a:r>
+              <a:rPr kumimoji="0" lang="en-US" sz="3600" b="0" i="0" u="none" strike="noStrike" cap="none" spc="0" normalizeH="0" baseline="0" dirty="0" smtClean="0">
+                <a:ln>
+                  <a:noFill/>
+                </a:ln>
+                <a:solidFill>
+                  <a:srgbClr val="000000"/>
+                </a:solidFill>
+                <a:effectLst/>
+                <a:uFillTx/>
+                <a:latin typeface="+mn-lt"/>
+                <a:ea typeface="+mn-ea"/>
+                <a:cs typeface="+mn-cs"/>
+                <a:sym typeface="Helvetica Light"/>
+              </a:rPr>
+              <a:t>Language packs</a:t>
+            </a:r>
+            <a:endParaRPr kumimoji="0" lang="en-US" sz="3600" b="0" i="0" u="none" strike="noStrike" cap="none" spc="0" normalizeH="0" baseline="0" dirty="0">
+              <a:ln>
+                <a:noFill/>
+              </a:ln>
+              <a:solidFill>
+                <a:srgbClr val="000000"/>
+              </a:solidFill>
+              <a:effectLst/>
+              <a:uFillTx/>
+              <a:latin typeface="+mn-lt"/>
+              <a:ea typeface="+mn-ea"/>
+              <a:cs typeface="+mn-cs"/>
+              <a:sym typeface="Helvetica Light"/>
+            </a:endParaRPr>
+          </a:p>
+        </p:txBody>
+      </p:sp>
+      <p:cxnSp>
+        <p:nvCxnSpPr>
+          <p:cNvPr id="26" name="Straight Connector 25"/>
+          <p:cNvCxnSpPr>
+            <a:stCxn id="8" idx="3"/>
+            <a:endCxn id="24" idx="1"/>
+          </p:cNvCxnSpPr>
+          <p:nvPr/>
+        </p:nvCxnSpPr>
+        <p:spPr>
+          <a:xfrm flipV="1">
+            <a:off x="2655513" y="4049210"/>
+            <a:ext cx="2184563" cy="943834"/>
+          </a:xfrm>
+          <a:prstGeom prst="line">
+            <a:avLst/>
+          </a:prstGeom>
+          <a:noFill/>
+          <a:ln w="25400" cap="flat">
+            <a:solidFill>
+              <a:srgbClr val="000000"/>
+            </a:solidFill>
+            <a:prstDash val="solid"/>
+            <a:miter lim="400000"/>
+          </a:ln>
+          <a:effectLst/>
+        </p:spPr>
+        <p:style>
+          <a:lnRef idx="0">
+            <a:scrgbClr r="0" g="0" b="0"/>
+          </a:lnRef>
+          <a:fillRef idx="0">
+            <a:scrgbClr r="0" g="0" b="0"/>
+          </a:fillRef>
+          <a:effectRef idx="0">
+            <a:scrgbClr r="0" g="0" b="0"/>
+          </a:effectRef>
+          <a:fontRef idx="none"/>
+        </p:style>
+      </p:cxnSp>
+      <p:sp>
+        <p:nvSpPr>
+          <p:cNvPr id="37" name="TextBox 36"/>
+          <p:cNvSpPr txBox="1"/>
+          <p:nvPr/>
+        </p:nvSpPr>
+        <p:spPr>
+          <a:xfrm>
+            <a:off x="7085668" y="7104084"/>
+            <a:ext cx="2693426" cy="656590"/>
+          </a:xfrm>
+          <a:prstGeom prst="rect">
+            <a:avLst/>
+          </a:prstGeom>
+          <a:noFill/>
+          <a:ln w="12700" cap="flat">
+            <a:noFill/>
+            <a:miter lim="400000"/>
+          </a:ln>
+          <a:effectLst/>
+        </p:spPr>
+        <p:style>
+          <a:lnRef idx="0">
+            <a:scrgbClr r="0" g="0" b="0"/>
+          </a:lnRef>
+          <a:fillRef idx="0">
+            <a:scrgbClr r="0" g="0" b="0"/>
+          </a:fillRef>
+          <a:effectRef idx="0">
+            <a:scrgbClr r="0" g="0" b="0"/>
+          </a:effectRef>
+          <a:fontRef idx="none"/>
+        </p:style>
+        <p:txBody>
+          <a:bodyPr rot="0" spcFirstLastPara="1" vertOverflow="overflow" horzOverflow="overflow" vert="horz" wrap="none" lIns="50800" tIns="50800" rIns="50800" bIns="50800" numCol="1" spcCol="38100" rtlCol="0" anchor="ctr">
+            <a:spAutoFit/>
+          </a:bodyPr>
+          <a:lstStyle/>
+          <a:p>
+            <a:pPr marL="0" marR="0" indent="0" algn="ctr" defTabSz="584200" rtl="0" fontAlgn="auto" latinLnBrk="1" hangingPunct="0">
+              <a:lnSpc>
+                <a:spcPct val="100000"/>
+              </a:lnSpc>
+              <a:spcBef>
+                <a:spcPts val="0"/>
+              </a:spcBef>
+              <a:spcAft>
+                <a:spcPts val="0"/>
+              </a:spcAft>
+              <a:buClrTx/>
+              <a:buSzTx/>
+              <a:buFontTx/>
+              <a:buNone/>
+              <a:tabLst/>
+            </a:pPr>
+            <a:r>
+              <a:rPr kumimoji="0" lang="en-US" sz="3600" b="0" i="0" u="none" strike="noStrike" cap="none" spc="0" normalizeH="0" baseline="0" dirty="0" smtClean="0">
+                <a:ln>
+                  <a:noFill/>
+                </a:ln>
+                <a:solidFill>
+                  <a:srgbClr val="000000"/>
+                </a:solidFill>
+                <a:effectLst/>
+                <a:uFillTx/>
+                <a:latin typeface="+mn-lt"/>
+                <a:ea typeface="+mn-ea"/>
+                <a:cs typeface="+mn-cs"/>
+                <a:sym typeface="Helvetica Light"/>
+              </a:rPr>
+              <a:t>Add-on</a:t>
+            </a:r>
+            <a:r>
+              <a:rPr kumimoji="0" lang="en-US" sz="3600" b="0" i="0" u="none" strike="noStrike" cap="none" spc="0" normalizeH="0" dirty="0" smtClean="0">
+                <a:ln>
+                  <a:noFill/>
+                </a:ln>
+                <a:solidFill>
+                  <a:srgbClr val="000000"/>
+                </a:solidFill>
+                <a:effectLst/>
+                <a:uFillTx/>
+                <a:latin typeface="+mn-lt"/>
+                <a:ea typeface="+mn-ea"/>
+                <a:cs typeface="+mn-cs"/>
+                <a:sym typeface="Helvetica Light"/>
+              </a:rPr>
+              <a:t> SDK</a:t>
+            </a:r>
+            <a:endParaRPr kumimoji="0" lang="en-US" sz="3600" b="0" i="0" u="none" strike="noStrike" cap="none" spc="0" normalizeH="0" baseline="0" dirty="0">
+              <a:ln>
+                <a:noFill/>
+              </a:ln>
+              <a:solidFill>
+                <a:srgbClr val="000000"/>
+              </a:solidFill>
+              <a:effectLst/>
+              <a:uFillTx/>
+              <a:latin typeface="+mn-lt"/>
+              <a:ea typeface="+mn-ea"/>
+              <a:cs typeface="+mn-cs"/>
+              <a:sym typeface="Helvetica Light"/>
+            </a:endParaRPr>
+          </a:p>
+        </p:txBody>
+      </p:sp>
+      <p:sp>
+        <p:nvSpPr>
+          <p:cNvPr id="38" name="TextBox 37"/>
+          <p:cNvSpPr txBox="1"/>
+          <p:nvPr/>
+        </p:nvSpPr>
+        <p:spPr>
+          <a:xfrm>
+            <a:off x="7202850" y="6263980"/>
+            <a:ext cx="2257614" cy="656590"/>
+          </a:xfrm>
+          <a:prstGeom prst="rect">
+            <a:avLst/>
+          </a:prstGeom>
+          <a:noFill/>
+          <a:ln w="12700" cap="flat">
+            <a:noFill/>
+            <a:miter lim="400000"/>
+          </a:ln>
+          <a:effectLst/>
+        </p:spPr>
+        <p:style>
+          <a:lnRef idx="0">
+            <a:scrgbClr r="0" g="0" b="0"/>
+          </a:lnRef>
+          <a:fillRef idx="0">
+            <a:scrgbClr r="0" g="0" b="0"/>
+          </a:fillRef>
+          <a:effectRef idx="0">
+            <a:scrgbClr r="0" g="0" b="0"/>
+          </a:effectRef>
+          <a:fontRef idx="none"/>
+        </p:style>
+        <p:txBody>
+          <a:bodyPr rot="0" spcFirstLastPara="1" vertOverflow="overflow" horzOverflow="overflow" vert="horz" wrap="none" lIns="50800" tIns="50800" rIns="50800" bIns="50800" numCol="1" spcCol="38100" rtlCol="0" anchor="ctr">
+            <a:spAutoFit/>
+          </a:bodyPr>
+          <a:lstStyle/>
+          <a:p>
+            <a:pPr marL="0" marR="0" indent="0" algn="ctr" defTabSz="584200" rtl="0" fontAlgn="auto" latinLnBrk="1" hangingPunct="0">
+              <a:lnSpc>
+                <a:spcPct val="100000"/>
+              </a:lnSpc>
+              <a:spcBef>
+                <a:spcPts val="0"/>
+              </a:spcBef>
+              <a:spcAft>
+                <a:spcPts val="0"/>
+              </a:spcAft>
+              <a:buClrTx/>
+              <a:buSzTx/>
+              <a:buFontTx/>
+              <a:buNone/>
+              <a:tabLst/>
+            </a:pPr>
+            <a:r>
+              <a:rPr kumimoji="0" lang="en-US" sz="3600" b="0" i="0" u="none" strike="noStrike" cap="none" spc="0" normalizeH="0" baseline="0" dirty="0" smtClean="0">
+                <a:ln>
+                  <a:noFill/>
+                </a:ln>
+                <a:solidFill>
+                  <a:srgbClr val="000000"/>
+                </a:solidFill>
+                <a:effectLst/>
+                <a:uFillTx/>
+                <a:latin typeface="+mn-lt"/>
+                <a:ea typeface="+mn-ea"/>
+                <a:cs typeface="+mn-cs"/>
+                <a:sym typeface="Helvetica Light"/>
+              </a:rPr>
+              <a:t>Traditional</a:t>
+            </a:r>
+            <a:endParaRPr kumimoji="0" lang="en-US" sz="3600" b="0" i="0" u="none" strike="noStrike" cap="none" spc="0" normalizeH="0" baseline="0" dirty="0">
+              <a:ln>
+                <a:noFill/>
+              </a:ln>
+              <a:solidFill>
+                <a:srgbClr val="000000"/>
+              </a:solidFill>
+              <a:effectLst/>
+              <a:uFillTx/>
+              <a:latin typeface="+mn-lt"/>
+              <a:ea typeface="+mn-ea"/>
+              <a:cs typeface="+mn-cs"/>
+              <a:sym typeface="Helvetica Light"/>
+            </a:endParaRPr>
+          </a:p>
+        </p:txBody>
+      </p:sp>
+      <p:sp>
+        <p:nvSpPr>
+          <p:cNvPr id="39" name="TextBox 38"/>
+          <p:cNvSpPr txBox="1"/>
+          <p:nvPr/>
+        </p:nvSpPr>
+        <p:spPr>
+          <a:xfrm>
+            <a:off x="7085668" y="7953940"/>
+            <a:ext cx="2924731" cy="656590"/>
+          </a:xfrm>
+          <a:prstGeom prst="rect">
+            <a:avLst/>
+          </a:prstGeom>
+          <a:noFill/>
+          <a:ln w="12700" cap="flat">
+            <a:noFill/>
+            <a:miter lim="400000"/>
+          </a:ln>
+          <a:effectLst/>
+        </p:spPr>
+        <p:style>
+          <a:lnRef idx="0">
+            <a:scrgbClr r="0" g="0" b="0"/>
+          </a:lnRef>
+          <a:fillRef idx="0">
+            <a:scrgbClr r="0" g="0" b="0"/>
+          </a:fillRef>
+          <a:effectRef idx="0">
+            <a:scrgbClr r="0" g="0" b="0"/>
+          </a:effectRef>
+          <a:fontRef idx="none"/>
+        </p:style>
+        <p:txBody>
+          <a:bodyPr rot="0" spcFirstLastPara="1" vertOverflow="overflow" horzOverflow="overflow" vert="horz" wrap="none" lIns="50800" tIns="50800" rIns="50800" bIns="50800" numCol="1" spcCol="38100" rtlCol="0" anchor="ctr">
+            <a:spAutoFit/>
+          </a:bodyPr>
+          <a:lstStyle/>
+          <a:p>
+            <a:pPr marL="0" marR="0" indent="0" algn="ctr" defTabSz="584200" rtl="0" fontAlgn="auto" latinLnBrk="1" hangingPunct="0">
+              <a:lnSpc>
+                <a:spcPct val="100000"/>
+              </a:lnSpc>
+              <a:spcBef>
+                <a:spcPts val="0"/>
+              </a:spcBef>
+              <a:spcAft>
+                <a:spcPts val="0"/>
+              </a:spcAft>
+              <a:buClrTx/>
+              <a:buSzTx/>
+              <a:buFontTx/>
+              <a:buNone/>
+              <a:tabLst/>
+            </a:pPr>
+            <a:r>
+              <a:rPr kumimoji="0" lang="en-US" sz="3600" b="1" i="0" u="none" strike="noStrike" cap="none" spc="0" normalizeH="0" baseline="0" dirty="0" smtClean="0">
+                <a:ln>
+                  <a:noFill/>
+                </a:ln>
+                <a:solidFill>
+                  <a:srgbClr val="000000"/>
+                </a:solidFill>
+                <a:effectLst/>
+                <a:uFillTx/>
+                <a:latin typeface="+mn-lt"/>
+                <a:ea typeface="+mn-ea"/>
+                <a:cs typeface="+mn-cs"/>
+                <a:sym typeface="Helvetica Light"/>
+              </a:rPr>
+              <a:t>Bootstrapped</a:t>
+            </a:r>
+            <a:endParaRPr kumimoji="0" lang="en-US" sz="3600" b="1" i="0" u="none" strike="noStrike" cap="none" spc="0" normalizeH="0" baseline="0" dirty="0">
+              <a:ln>
+                <a:noFill/>
+              </a:ln>
+              <a:solidFill>
+                <a:srgbClr val="000000"/>
+              </a:solidFill>
+              <a:effectLst/>
+              <a:uFillTx/>
+              <a:latin typeface="+mn-lt"/>
+              <a:ea typeface="+mn-ea"/>
+              <a:cs typeface="+mn-cs"/>
+              <a:sym typeface="Helvetica Light"/>
+            </a:endParaRPr>
+          </a:p>
+        </p:txBody>
+      </p:sp>
+      <p:cxnSp>
+        <p:nvCxnSpPr>
+          <p:cNvPr id="41" name="Straight Connector 40"/>
+          <p:cNvCxnSpPr>
+            <a:stCxn id="11" idx="3"/>
+            <a:endCxn id="37" idx="1"/>
+          </p:cNvCxnSpPr>
+          <p:nvPr/>
+        </p:nvCxnSpPr>
+        <p:spPr>
+          <a:xfrm>
+            <a:off x="5830584" y="7232063"/>
+            <a:ext cx="1255084" cy="200316"/>
+          </a:xfrm>
+          <a:prstGeom prst="line">
+            <a:avLst/>
+          </a:prstGeom>
+          <a:noFill/>
+          <a:ln w="25400" cap="flat">
+            <a:solidFill>
+              <a:srgbClr val="000000"/>
+            </a:solidFill>
+            <a:prstDash val="solid"/>
+            <a:miter lim="400000"/>
+          </a:ln>
+          <a:effectLst/>
+        </p:spPr>
+        <p:style>
+          <a:lnRef idx="0">
+            <a:scrgbClr r="0" g="0" b="0"/>
+          </a:lnRef>
+          <a:fillRef idx="0">
+            <a:scrgbClr r="0" g="0" b="0"/>
+          </a:fillRef>
+          <a:effectRef idx="0">
+            <a:scrgbClr r="0" g="0" b="0"/>
+          </a:effectRef>
+          <a:fontRef idx="none"/>
+        </p:style>
+      </p:cxnSp>
+      <p:cxnSp>
+        <p:nvCxnSpPr>
+          <p:cNvPr id="43" name="Straight Connector 42"/>
+          <p:cNvCxnSpPr>
+            <a:stCxn id="11" idx="3"/>
+            <a:endCxn id="38" idx="1"/>
+          </p:cNvCxnSpPr>
+          <p:nvPr/>
+        </p:nvCxnSpPr>
+        <p:spPr>
+          <a:xfrm flipV="1">
+            <a:off x="5830584" y="6592275"/>
+            <a:ext cx="1372266" cy="639788"/>
+          </a:xfrm>
+          <a:prstGeom prst="line">
+            <a:avLst/>
+          </a:prstGeom>
+          <a:noFill/>
+          <a:ln w="25400" cap="flat">
+            <a:solidFill>
+              <a:srgbClr val="000000"/>
+            </a:solidFill>
+            <a:prstDash val="solid"/>
+            <a:miter lim="400000"/>
+          </a:ln>
+          <a:effectLst/>
+        </p:spPr>
+        <p:style>
+          <a:lnRef idx="0">
+            <a:scrgbClr r="0" g="0" b="0"/>
+          </a:lnRef>
+          <a:fillRef idx="0">
+            <a:scrgbClr r="0" g="0" b="0"/>
+          </a:fillRef>
+          <a:effectRef idx="0">
+            <a:scrgbClr r="0" g="0" b="0"/>
+          </a:effectRef>
+          <a:fontRef idx="none"/>
+        </p:style>
+      </p:cxnSp>
+      <p:cxnSp>
+        <p:nvCxnSpPr>
+          <p:cNvPr id="45" name="Straight Connector 44"/>
+          <p:cNvCxnSpPr>
+            <a:stCxn id="11" idx="3"/>
+            <a:endCxn id="39" idx="1"/>
+          </p:cNvCxnSpPr>
+          <p:nvPr/>
+        </p:nvCxnSpPr>
+        <p:spPr>
+          <a:xfrm>
+            <a:off x="5830584" y="7232063"/>
+            <a:ext cx="1255084" cy="1050172"/>
+          </a:xfrm>
+          <a:prstGeom prst="line">
+            <a:avLst/>
+          </a:prstGeom>
+          <a:noFill/>
+          <a:ln w="25400" cap="flat">
+            <a:solidFill>
+              <a:srgbClr val="000000"/>
+            </a:solidFill>
+            <a:prstDash val="solid"/>
+            <a:miter lim="400000"/>
+          </a:ln>
+          <a:effectLst/>
+        </p:spPr>
+        <p:style>
+          <a:lnRef idx="0">
+            <a:scrgbClr r="0" g="0" b="0"/>
+          </a:lnRef>
+          <a:fillRef idx="0">
+            <a:scrgbClr r="0" g="0" b="0"/>
+          </a:fillRef>
+          <a:effectRef idx="0">
+            <a:scrgbClr r="0" g="0" b="0"/>
+          </a:effectRef>
+          <a:fontRef idx="none"/>
+        </p:style>
+      </p:cxnSp>
     </p:spTree>
+    <p:extLst>
+      <p:ext uri="{BB962C8B-B14F-4D97-AF65-F5344CB8AC3E}">
+        <p14:creationId xmlns:p14="http://schemas.microsoft.com/office/powerpoint/2010/main" val="811767997"/>
+      </p:ext>
+    </p:extLst>
   </p:cSld>
   <p:clrMapOvr>
     <a:masterClrMapping/>
@@ -5232,13 +7000,19 @@
       </p:grpSpPr>
       <p:pic>
         <p:nvPicPr>
-          <p:cNvPr id="124" name="pasted-image.png"/>
-          <p:cNvPicPr/>
+          <p:cNvPr id="6" name="Picture 5" descr="extensionnavigation_architecture.png"/>
+          <p:cNvPicPr>
+            <a:picLocks noChangeAspect="1"/>
+          </p:cNvPicPr>
           <p:nvPr/>
         </p:nvPicPr>
         <p:blipFill>
-          <a:blip r:embed="rId2">
-            <a:extLst/>
+          <a:blip r:embed="rId3">
+            <a:extLst>
+              <a:ext uri="{28A0092B-C50C-407E-A947-70E740481C1C}">
+                <a14:useLocalDpi xmlns:a14="http://schemas.microsoft.com/office/drawing/2010/main" val="0"/>
+              </a:ext>
+            </a:extLst>
           </a:blip>
           <a:stretch>
             <a:fillRect/>
@@ -5246,20 +7020,50 @@
         </p:blipFill>
         <p:spPr>
           <a:xfrm>
-            <a:off x="652577" y="160874"/>
-            <a:ext cx="1065385" cy="1118897"/>
+            <a:off x="635003" y="-1"/>
+            <a:ext cx="10636296" cy="9753601"/>
           </a:xfrm>
           <a:prstGeom prst="rect">
             <a:avLst/>
           </a:prstGeom>
-          <a:ln w="12700">
-            <a:miter lim="400000"/>
-          </a:ln>
         </p:spPr>
       </p:pic>
+    </p:spTree>
+  </p:cSld>
+  <p:clrMapOvr>
+    <a:masterClrMapping/>
+  </p:clrMapOvr>
+  <p:transition xmlns:p14="http://schemas.microsoft.com/office/powerpoint/2010/main" spd="med"/>
+  <p:timing>
+    <p:tnLst>
+      <p:par>
+        <p:cTn xmlns:p14="http://schemas.microsoft.com/office/powerpoint/2010/main" id="1" dur="indefinite" restart="never" nodeType="tmRoot"/>
+      </p:par>
+    </p:tnLst>
+  </p:timing>
+</p:sld>
+</file>
+
+<file path=ppt/slides/slide7.xml><?xml version="1.0" encoding="utf-8"?>
+<p:sld xmlns:a="http://schemas.openxmlformats.org/drawingml/2006/main" xmlns:r="http://schemas.openxmlformats.org/officeDocument/2006/relationships" xmlns:p="http://schemas.openxmlformats.org/presentationml/2006/main">
+  <p:cSld>
+    <p:spTree>
+      <p:nvGrpSpPr>
+        <p:cNvPr id="1" name=""/>
+        <p:cNvGrpSpPr/>
+        <p:nvPr/>
+      </p:nvGrpSpPr>
+      <p:grpSpPr>
+        <a:xfrm>
+          <a:off x="0" y="0"/>
+          <a:ext cx="0" cy="0"/>
+          <a:chOff x="0" y="0"/>
+          <a:chExt cx="0" cy="0"/>
+        </a:xfrm>
+      </p:grpSpPr>
       <p:pic>
         <p:nvPicPr>
-          <p:cNvPr id="126" name="Screen Shot 2015-03-03 at 07.44.54.png"/>
+          <p:cNvPr id="124" name="pasted-image.png"/>
           <p:cNvPicPr/>
           <p:nvPr/>
         </p:nvPicPr>
@@ -5273,6 +7077,33 @@
         </p:blipFill>
         <p:spPr>
           <a:xfrm>
+            <a:off x="652577" y="160874"/>
+            <a:ext cx="1065385" cy="1118897"/>
+          </a:xfrm>
+          <a:prstGeom prst="rect">
+            <a:avLst/>
+          </a:prstGeom>
+          <a:ln w="12700">
+            <a:miter lim="400000"/>
+          </a:ln>
+        </p:spPr>
+      </p:pic>
+      <p:pic>
+        <p:nvPicPr>
+          <p:cNvPr id="126" name="Screen Shot 2015-03-03 at 07.44.54.png"/>
+          <p:cNvPicPr/>
+          <p:nvPr/>
+        </p:nvPicPr>
+        <p:blipFill>
+          <a:blip r:embed="rId4">
+            <a:extLst/>
+          </a:blip>
+          <a:stretch>
+            <a:fillRect/>
+          </a:stretch>
+        </p:blipFill>
+        <p:spPr>
+          <a:xfrm>
             <a:off x="1830772" y="511658"/>
             <a:ext cx="5190518" cy="417329"/>
           </a:xfrm>
@@ -5298,7 +7129,7 @@
           <p:nvPr/>
         </p:nvPicPr>
         <p:blipFill>
-          <a:blip r:embed="rId4">
+          <a:blip r:embed="rId5">
             <a:extLst/>
           </a:blip>
           <a:stretch>
@@ -5407,6 +7238,11 @@
               <a:gd name="adj" fmla="val 21962"/>
             </a:avLst>
           </a:prstGeom>
+          <a:solidFill>
+            <a:schemeClr val="bg1">
+              <a:lumMod val="85000"/>
+            </a:schemeClr>
+          </a:solidFill>
           <a:ln/>
           <a:extLst>
             <a:ext uri="{C572A759-6A51-4108-AA02-DFA0A04FC94B}">
@@ -5475,7 +7311,7 @@
         </p:nvSpPr>
         <p:spPr>
           <a:xfrm>
-            <a:off x="4023771" y="2294654"/>
+            <a:off x="4109267" y="4139938"/>
             <a:ext cx="1920975" cy="640364"/>
           </a:xfrm>
           <a:prstGeom prst="roundRect">
@@ -5483,6 +7319,11 @@
               <a:gd name="adj" fmla="val 21962"/>
             </a:avLst>
           </a:prstGeom>
+          <a:solidFill>
+            <a:schemeClr val="bg1">
+              <a:lumMod val="85000"/>
+            </a:schemeClr>
+          </a:solidFill>
           <a:ln/>
           <a:extLst>
             <a:ext uri="{C572A759-6A51-4108-AA02-DFA0A04FC94B}">
@@ -5596,7 +7437,7 @@
         <p:spPr>
           <a:xfrm>
             <a:off x="3650096" y="2294654"/>
-            <a:ext cx="373675" cy="320182"/>
+            <a:ext cx="459171" cy="2165466"/>
           </a:xfrm>
           <a:prstGeom prst="straightConnector1">
             <a:avLst/>
@@ -5625,129 +7466,43 @@
           <a:fontRef idx="none"/>
         </p:style>
       </p:cxnSp>
-    </p:spTree>
-  </p:cSld>
-  <p:clrMapOvr>
-    <a:masterClrMapping/>
-  </p:clrMapOvr>
-  <p:transition xmlns:p14="http://schemas.microsoft.com/office/powerpoint/2010/main" spd="med"/>
-</p:sld>
-</file>
-
-<file path=ppt/slides/slide7.xml><?xml version="1.0" encoding="utf-8"?>
-<p:sld xmlns:a="http://schemas.openxmlformats.org/drawingml/2006/main" xmlns:r="http://schemas.openxmlformats.org/officeDocument/2006/relationships" xmlns:p="http://schemas.openxmlformats.org/presentationml/2006/main">
-  <p:cSld>
-    <p:spTree>
-      <p:nvGrpSpPr>
-        <p:cNvPr id="1" name=""/>
-        <p:cNvGrpSpPr/>
-        <p:nvPr/>
-      </p:nvGrpSpPr>
-      <p:grpSpPr>
-        <a:xfrm>
-          <a:off x="0" y="0"/>
-          <a:ext cx="0" cy="0"/>
-          <a:chOff x="0" y="0"/>
-          <a:chExt cx="0" cy="0"/>
-        </a:xfrm>
-      </p:grpSpPr>
-      <p:pic>
-        <p:nvPicPr>
-          <p:cNvPr id="124" name="pasted-image.png"/>
-          <p:cNvPicPr/>
-          <p:nvPr/>
-        </p:nvPicPr>
-        <p:blipFill>
-          <a:blip r:embed="rId2">
-            <a:extLst/>
-          </a:blip>
-          <a:stretch>
-            <a:fillRect/>
-          </a:stretch>
-        </p:blipFill>
-        <p:spPr>
-          <a:xfrm>
-            <a:off x="652577" y="160874"/>
-            <a:ext cx="1065385" cy="1118897"/>
-          </a:xfrm>
-          <a:prstGeom prst="rect">
-            <a:avLst/>
-          </a:prstGeom>
-          <a:ln w="12700">
-            <a:miter lim="400000"/>
-          </a:ln>
-        </p:spPr>
-      </p:pic>
-      <p:pic>
-        <p:nvPicPr>
-          <p:cNvPr id="126" name="Screen Shot 2015-03-03 at 07.44.54.png"/>
-          <p:cNvPicPr/>
-          <p:nvPr/>
-        </p:nvPicPr>
-        <p:blipFill>
-          <a:blip r:embed="rId3">
-            <a:extLst/>
-          </a:blip>
-          <a:stretch>
-            <a:fillRect/>
-          </a:stretch>
-        </p:blipFill>
-        <p:spPr>
-          <a:xfrm>
-            <a:off x="1830772" y="511658"/>
-            <a:ext cx="5190518" cy="417329"/>
-          </a:xfrm>
-          <a:prstGeom prst="rect">
-            <a:avLst/>
-          </a:prstGeom>
-          <a:ln w="25400">
-            <a:miter lim="400000"/>
-          </a:ln>
-          <a:effectLst>
-            <a:outerShdw blurRad="254000" dist="127000" dir="5400000" rotWithShape="0">
-              <a:srgbClr val="000000">
-                <a:alpha val="70000"/>
-              </a:srgbClr>
-            </a:outerShdw>
-          </a:effectLst>
-        </p:spPr>
-      </p:pic>
       <p:sp>
         <p:nvSpPr>
-          <p:cNvPr id="127" name="Shape 127"/>
+          <p:cNvPr id="36" name="Shape 131"/>
           <p:cNvSpPr/>
           <p:nvPr/>
         </p:nvSpPr>
         <p:spPr>
           <a:xfrm>
-            <a:off x="10282452" y="3143222"/>
-            <a:ext cx="2069771" cy="1011238"/>
+            <a:off x="7722703" y="1486508"/>
+            <a:ext cx="1407761" cy="640364"/>
           </a:xfrm>
           <a:prstGeom prst="roundRect">
             <a:avLst>
-              <a:gd name="adj" fmla="val 18838"/>
+              <a:gd name="adj" fmla="val 21962"/>
             </a:avLst>
           </a:prstGeom>
-          <a:blipFill>
-            <a:blip r:embed="rId4"/>
-          </a:blipFill>
-          <a:ln w="12700">
-            <a:miter lim="400000"/>
-          </a:ln>
-          <a:effectLst>
-            <a:outerShdw blurRad="38100" dist="25400" dir="5400000" rotWithShape="0">
-              <a:srgbClr val="000000">
-                <a:alpha val="50000"/>
-              </a:srgbClr>
-            </a:outerShdw>
-            <a:reflection stA="50000" endPos="40000" dir="5400000" sy="-100000" algn="bl" rotWithShape="0"/>
-          </a:effectLst>
+          <a:ln/>
           <a:extLst>
             <a:ext uri="{C572A759-6A51-4108-AA02-DFA0A04FC94B}">
               <ma14:wrappingTextBoxFlag xmlns:ma14="http://schemas.microsoft.com/office/mac/drawingml/2011/main" val="1"/>
             </a:ext>
           </a:extLst>
         </p:spPr>
+        <p:style>
+          <a:lnRef idx="2">
+            <a:schemeClr val="dk1"/>
+          </a:lnRef>
+          <a:fillRef idx="1">
+            <a:schemeClr val="lt1"/>
+          </a:fillRef>
+          <a:effectRef idx="0">
+            <a:schemeClr val="dk1"/>
+          </a:effectRef>
+          <a:fontRef idx="minor">
+            <a:schemeClr val="dk1"/>
+          </a:fontRef>
+        </p:style>
         <p:txBody>
           <a:bodyPr lIns="0" tIns="0" rIns="0" bIns="0" anchor="ctr"/>
           <a:lstStyle>
@@ -5772,71 +7527,58 @@
               </a:defRPr>
             </a:pPr>
             <a:r>
-              <a:rPr sz="2400" b="1">
+              <a:rPr lang="en-US" sz="2400" b="1" dirty="0" smtClean="0">
                 <a:solidFill>
-                  <a:srgbClr val="FFFFFF"/>
+                  <a:srgbClr val="000000"/>
                 </a:solidFill>
               </a:rPr>
-              <a:t>Mixer</a:t>
+              <a:t>Cluster</a:t>
             </a:r>
+            <a:endParaRPr sz="2400" b="1" dirty="0">
+              <a:solidFill>
+                <a:srgbClr val="000000"/>
+              </a:solidFill>
+            </a:endParaRPr>
           </a:p>
         </p:txBody>
       </p:sp>
-      <p:pic>
-        <p:nvPicPr>
-          <p:cNvPr id="128" name="Picture 127"/>
-          <p:cNvPicPr/>
-          <p:nvPr/>
-        </p:nvPicPr>
-        <p:blipFill>
-          <a:blip r:embed="rId5">
-            <a:extLst/>
-          </a:blip>
-          <a:stretch>
-            <a:fillRect/>
-          </a:stretch>
-        </p:blipFill>
-        <p:spPr>
-          <a:xfrm rot="21600000">
-            <a:off x="2380330" y="3550959"/>
-            <a:ext cx="1669219" cy="246564"/>
-          </a:xfrm>
-          <a:prstGeom prst="rect">
-            <a:avLst/>
-          </a:prstGeom>
-        </p:spPr>
-      </p:pic>
       <p:sp>
         <p:nvSpPr>
-          <p:cNvPr id="130" name="Shape 130"/>
+          <p:cNvPr id="40" name="Shape 131"/>
           <p:cNvSpPr/>
           <p:nvPr/>
         </p:nvSpPr>
         <p:spPr>
           <a:xfrm>
-            <a:off x="4039837" y="1666306"/>
-            <a:ext cx="3797698" cy="787855"/>
+            <a:off x="6362699" y="1490816"/>
+            <a:ext cx="1360004" cy="640364"/>
           </a:xfrm>
           <a:prstGeom prst="roundRect">
             <a:avLst>
-              <a:gd name="adj" fmla="val 24180"/>
+              <a:gd name="adj" fmla="val 21962"/>
             </a:avLst>
           </a:prstGeom>
-          <a:solidFill>
-            <a:srgbClr val="DE6A10"/>
-          </a:solidFill>
-          <a:ln w="25400">
-            <a:solidFill>
-              <a:srgbClr val="DE6A10"/>
-            </a:solidFill>
-            <a:miter lim="400000"/>
-          </a:ln>
+          <a:ln/>
           <a:extLst>
             <a:ext uri="{C572A759-6A51-4108-AA02-DFA0A04FC94B}">
               <ma14:wrappingTextBoxFlag xmlns:ma14="http://schemas.microsoft.com/office/mac/drawingml/2011/main" val="1"/>
             </a:ext>
           </a:extLst>
         </p:spPr>
+        <p:style>
+          <a:lnRef idx="2">
+            <a:schemeClr val="dk1"/>
+          </a:lnRef>
+          <a:fillRef idx="1">
+            <a:schemeClr val="lt1"/>
+          </a:fillRef>
+          <a:effectRef idx="0">
+            <a:schemeClr val="dk1"/>
+          </a:effectRef>
+          <a:fontRef idx="minor">
+            <a:schemeClr val="dk1"/>
+          </a:fontRef>
+        </p:style>
         <p:txBody>
           <a:bodyPr lIns="0" tIns="0" rIns="0" bIns="0" anchor="ctr"/>
           <a:lstStyle>
@@ -5861,16 +7603,16 @@
               </a:defRPr>
             </a:pPr>
             <a:r>
-              <a:rPr sz="2400" b="1" dirty="0" smtClean="0">
+              <a:rPr lang="en-US" sz="2400" b="1" dirty="0" smtClean="0">
                 <a:solidFill>
-                  <a:srgbClr val="FFFFFF"/>
+                  <a:srgbClr val="000000"/>
                 </a:solidFill>
               </a:rPr>
-              <a:t>CliqzClusterHistory.jsm</a:t>
+              <a:t>Pattern</a:t>
             </a:r>
             <a:endParaRPr sz="2400" b="1" dirty="0">
               <a:solidFill>
-                <a:srgbClr val="FFFFFF"/>
+                <a:srgbClr val="000000"/>
               </a:solidFill>
             </a:endParaRPr>
           </a:p>
@@ -5878,35 +7620,41 @@
       </p:sp>
       <p:sp>
         <p:nvSpPr>
-          <p:cNvPr id="131" name="Shape 131"/>
+          <p:cNvPr id="43" name="Shape 131"/>
           <p:cNvSpPr/>
           <p:nvPr/>
         </p:nvSpPr>
         <p:spPr>
           <a:xfrm>
-            <a:off x="4052537" y="3215056"/>
-            <a:ext cx="3772298" cy="867421"/>
+            <a:off x="9879518" y="4139938"/>
+            <a:ext cx="1920975" cy="640364"/>
           </a:xfrm>
           <a:prstGeom prst="roundRect">
             <a:avLst>
               <a:gd name="adj" fmla="val 21962"/>
             </a:avLst>
           </a:prstGeom>
-          <a:solidFill>
-            <a:srgbClr val="DE6A10"/>
-          </a:solidFill>
-          <a:ln w="25400">
-            <a:solidFill>
-              <a:srgbClr val="DE6A10"/>
-            </a:solidFill>
-            <a:miter lim="400000"/>
-          </a:ln>
+          <a:ln/>
           <a:extLst>
             <a:ext uri="{C572A759-6A51-4108-AA02-DFA0A04FC94B}">
               <ma14:wrappingTextBoxFlag xmlns:ma14="http://schemas.microsoft.com/office/mac/drawingml/2011/main" val="1"/>
             </a:ext>
           </a:extLst>
         </p:spPr>
+        <p:style>
+          <a:lnRef idx="2">
+            <a:schemeClr val="dk1"/>
+          </a:lnRef>
+          <a:fillRef idx="1">
+            <a:schemeClr val="lt1"/>
+          </a:fillRef>
+          <a:effectRef idx="0">
+            <a:schemeClr val="dk1"/>
+          </a:effectRef>
+          <a:fontRef idx="minor">
+            <a:schemeClr val="dk1"/>
+          </a:fontRef>
+        </p:style>
         <p:txBody>
           <a:bodyPr lIns="0" tIns="0" rIns="0" bIns="0" anchor="ctr"/>
           <a:lstStyle>
@@ -5931,798 +7679,58 @@
               </a:defRPr>
             </a:pPr>
             <a:r>
-              <a:rPr sz="2400" b="1" dirty="0" smtClean="0">
+              <a:rPr lang="en-US" sz="2400" b="1" dirty="0" smtClean="0">
                 <a:solidFill>
-                  <a:srgbClr val="FFFFFF"/>
+                  <a:srgbClr val="000000"/>
                 </a:solidFill>
               </a:rPr>
-              <a:t>CliqzAutocomplete.jsm</a:t>
+              <a:t>Mixer</a:t>
             </a:r>
             <a:endParaRPr sz="2400" b="1" dirty="0">
               <a:solidFill>
-                <a:srgbClr val="FFFFFF"/>
+                <a:srgbClr val="000000"/>
               </a:solidFill>
             </a:endParaRPr>
           </a:p>
         </p:txBody>
       </p:sp>
-      <p:pic>
-        <p:nvPicPr>
-          <p:cNvPr id="133" name="Picture 132"/>
-          <p:cNvPicPr/>
-          <p:nvPr/>
-        </p:nvPicPr>
-        <p:blipFill>
-          <a:blip r:embed="rId6">
-            <a:extLst/>
-          </a:blip>
-          <a:stretch>
-            <a:fillRect/>
-          </a:stretch>
-        </p:blipFill>
-        <p:spPr>
-          <a:xfrm rot="5400000">
-            <a:off x="5114056" y="2725293"/>
-            <a:ext cx="737176" cy="246564"/>
-          </a:xfrm>
-          <a:prstGeom prst="rect">
-            <a:avLst/>
-          </a:prstGeom>
-        </p:spPr>
-      </p:pic>
-      <p:pic>
-        <p:nvPicPr>
-          <p:cNvPr id="135" name="Picture 134"/>
-          <p:cNvPicPr/>
-          <p:nvPr/>
-        </p:nvPicPr>
-        <p:blipFill>
-          <a:blip r:embed="rId7">
-            <a:extLst/>
-          </a:blip>
-          <a:stretch>
-            <a:fillRect/>
-          </a:stretch>
-        </p:blipFill>
-        <p:spPr>
-          <a:xfrm>
-            <a:off x="7793725" y="3667086"/>
-            <a:ext cx="2407528" cy="246565"/>
-          </a:xfrm>
-          <a:prstGeom prst="rect">
-            <a:avLst/>
-          </a:prstGeom>
-        </p:spPr>
-      </p:pic>
-      <p:pic>
-        <p:nvPicPr>
-          <p:cNvPr id="137" name="Picture 136"/>
-          <p:cNvPicPr/>
-          <p:nvPr/>
-        </p:nvPicPr>
-        <p:blipFill>
-          <a:blip r:embed="rId8">
-            <a:extLst/>
-          </a:blip>
-          <a:stretch>
-            <a:fillRect/>
-          </a:stretch>
-        </p:blipFill>
-        <p:spPr>
-          <a:xfrm rot="16200000">
-            <a:off x="1053926" y="2287790"/>
-            <a:ext cx="2750557" cy="50801"/>
-          </a:xfrm>
-          <a:prstGeom prst="rect">
-            <a:avLst/>
-          </a:prstGeom>
-        </p:spPr>
-      </p:pic>
-      <p:pic>
-        <p:nvPicPr>
-          <p:cNvPr id="139" name="Picture 138"/>
-          <p:cNvPicPr/>
-          <p:nvPr/>
-        </p:nvPicPr>
-        <p:blipFill>
-          <a:blip r:embed="rId9">
-            <a:extLst/>
-          </a:blip>
-          <a:stretch>
-            <a:fillRect/>
-          </a:stretch>
-        </p:blipFill>
-        <p:spPr>
-          <a:xfrm rot="16200000">
-            <a:off x="5569672" y="2761286"/>
-            <a:ext cx="737176" cy="246565"/>
-          </a:xfrm>
-          <a:prstGeom prst="rect">
-            <a:avLst/>
-          </a:prstGeom>
-        </p:spPr>
-      </p:pic>
-      <p:pic>
-        <p:nvPicPr>
-          <p:cNvPr id="141" name="Picture 140"/>
-          <p:cNvPicPr/>
-          <p:nvPr/>
-        </p:nvPicPr>
-        <p:blipFill>
-          <a:blip r:embed="rId10">
-            <a:extLst/>
-          </a:blip>
-          <a:stretch>
-            <a:fillRect/>
-          </a:stretch>
-        </p:blipFill>
-        <p:spPr>
-          <a:xfrm rot="5400000">
-            <a:off x="5030537" y="4773466"/>
-            <a:ext cx="1668387" cy="246564"/>
-          </a:xfrm>
-          <a:prstGeom prst="rect">
-            <a:avLst/>
-          </a:prstGeom>
-        </p:spPr>
-      </p:pic>
-      <p:pic>
-        <p:nvPicPr>
-          <p:cNvPr id="143" name="Picture 142"/>
-          <p:cNvPicPr/>
-          <p:nvPr/>
-        </p:nvPicPr>
-        <p:blipFill>
-          <a:blip r:embed="rId11">
-            <a:extLst/>
-          </a:blip>
-          <a:stretch>
-            <a:fillRect/>
-          </a:stretch>
-        </p:blipFill>
-        <p:spPr>
-          <a:xfrm rot="10800000">
-            <a:off x="7810798" y="3340035"/>
-            <a:ext cx="2355045" cy="246564"/>
-          </a:xfrm>
-          <a:prstGeom prst="rect">
-            <a:avLst/>
-          </a:prstGeom>
-        </p:spPr>
-      </p:pic>
       <p:sp>
         <p:nvSpPr>
-          <p:cNvPr id="145" name="Shape 145"/>
+          <p:cNvPr id="56" name="Shape 131"/>
           <p:cNvSpPr/>
           <p:nvPr/>
         </p:nvSpPr>
         <p:spPr>
           <a:xfrm>
-            <a:off x="3709427" y="1409499"/>
-            <a:ext cx="4437606" cy="2992308"/>
+            <a:off x="9794022" y="7414550"/>
+            <a:ext cx="2091967" cy="640364"/>
           </a:xfrm>
           <a:prstGeom prst="roundRect">
             <a:avLst>
-              <a:gd name="adj" fmla="val 6366"/>
+              <a:gd name="adj" fmla="val 21962"/>
             </a:avLst>
           </a:prstGeom>
-          <a:ln w="50800">
-            <a:solidFill>
-              <a:srgbClr val="DE6A10"/>
-            </a:solidFill>
-            <a:miter lim="400000"/>
-          </a:ln>
-        </p:spPr>
-        <p:txBody>
-          <a:bodyPr lIns="0" tIns="0" rIns="0" bIns="0" anchor="ctr"/>
-          <a:lstStyle/>
-          <a:p>
-            <a:pPr lvl="0">
-              <a:defRPr sz="2400"/>
-            </a:pPr>
-            <a:endParaRPr/>
-          </a:p>
-        </p:txBody>
-      </p:sp>
-      <p:sp>
-        <p:nvSpPr>
-          <p:cNvPr id="146" name="Shape 146"/>
-          <p:cNvSpPr/>
-          <p:nvPr/>
-        </p:nvSpPr>
-        <p:spPr>
-          <a:xfrm>
-            <a:off x="4806950" y="2558465"/>
-            <a:ext cx="533859" cy="552287"/>
-          </a:xfrm>
-          <a:custGeom>
-            <a:avLst/>
-            <a:gdLst/>
-            <a:ahLst/>
-            <a:cxnLst>
-              <a:cxn ang="0">
-                <a:pos x="wd2" y="hd2"/>
-              </a:cxn>
-              <a:cxn ang="5400000">
-                <a:pos x="wd2" y="hd2"/>
-              </a:cxn>
-              <a:cxn ang="10800000">
-                <a:pos x="wd2" y="hd2"/>
-              </a:cxn>
-              <a:cxn ang="16200000">
-                <a:pos x="wd2" y="hd2"/>
-              </a:cxn>
-            </a:cxnLst>
-            <a:rect l="0" t="0" r="r" b="b"/>
-            <a:pathLst>
-              <a:path w="19679" h="19679" extrusionOk="0">
-                <a:moveTo>
-                  <a:pt x="16796" y="2882"/>
-                </a:moveTo>
-                <a:cubicBezTo>
-                  <a:pt x="20639" y="6724"/>
-                  <a:pt x="20639" y="12954"/>
-                  <a:pt x="16796" y="16796"/>
-                </a:cubicBezTo>
-                <a:cubicBezTo>
-                  <a:pt x="12954" y="20639"/>
-                  <a:pt x="6724" y="20639"/>
-                  <a:pt x="2882" y="16796"/>
-                </a:cubicBezTo>
-                <a:cubicBezTo>
-                  <a:pt x="-961" y="12954"/>
-                  <a:pt x="-961" y="6724"/>
-                  <a:pt x="2882" y="2882"/>
-                </a:cubicBezTo>
-                <a:cubicBezTo>
-                  <a:pt x="6724" y="-961"/>
-                  <a:pt x="12954" y="-961"/>
-                  <a:pt x="16796" y="2882"/>
-                </a:cubicBezTo>
-                <a:close/>
-              </a:path>
-            </a:pathLst>
-          </a:custGeom>
-          <a:ln w="25400">
-            <a:solidFill>
-              <a:srgbClr val="85888D"/>
-            </a:solidFill>
-            <a:miter lim="400000"/>
-          </a:ln>
+          <a:ln/>
           <a:extLst>
             <a:ext uri="{C572A759-6A51-4108-AA02-DFA0A04FC94B}">
               <ma14:wrappingTextBoxFlag xmlns:ma14="http://schemas.microsoft.com/office/mac/drawingml/2011/main" val="1"/>
             </a:ext>
           </a:extLst>
         </p:spPr>
-        <p:txBody>
-          <a:bodyPr lIns="50800" tIns="50800" rIns="50800" bIns="50800" anchor="ctr"/>
-          <a:lstStyle>
-            <a:lvl1pPr>
-              <a:defRPr sz="1800" b="1">
-                <a:latin typeface="Helvetica"/>
-                <a:ea typeface="Helvetica"/>
-                <a:cs typeface="Helvetica"/>
-                <a:sym typeface="Helvetica"/>
-              </a:defRPr>
-            </a:lvl1pPr>
-          </a:lstStyle>
-          <a:p>
-            <a:pPr lvl="0">
-              <a:defRPr b="0"/>
-            </a:pPr>
-            <a:r>
-              <a:rPr b="1"/>
-              <a:t>3</a:t>
-            </a:r>
-          </a:p>
-        </p:txBody>
-      </p:sp>
-      <p:sp>
-        <p:nvSpPr>
-          <p:cNvPr id="147" name="Shape 147"/>
-          <p:cNvSpPr/>
-          <p:nvPr/>
-        </p:nvSpPr>
-        <p:spPr>
-          <a:xfrm>
-            <a:off x="6034617" y="2629510"/>
-            <a:ext cx="533859" cy="552286"/>
-          </a:xfrm>
-          <a:custGeom>
-            <a:avLst/>
-            <a:gdLst/>
-            <a:ahLst/>
-            <a:cxnLst>
-              <a:cxn ang="0">
-                <a:pos x="wd2" y="hd2"/>
-              </a:cxn>
-              <a:cxn ang="5400000">
-                <a:pos x="wd2" y="hd2"/>
-              </a:cxn>
-              <a:cxn ang="10800000">
-                <a:pos x="wd2" y="hd2"/>
-              </a:cxn>
-              <a:cxn ang="16200000">
-                <a:pos x="wd2" y="hd2"/>
-              </a:cxn>
-            </a:cxnLst>
-            <a:rect l="0" t="0" r="r" b="b"/>
-            <a:pathLst>
-              <a:path w="19679" h="19679" extrusionOk="0">
-                <a:moveTo>
-                  <a:pt x="16796" y="2882"/>
-                </a:moveTo>
-                <a:cubicBezTo>
-                  <a:pt x="20639" y="6724"/>
-                  <a:pt x="20639" y="12954"/>
-                  <a:pt x="16796" y="16796"/>
-                </a:cubicBezTo>
-                <a:cubicBezTo>
-                  <a:pt x="12954" y="20639"/>
-                  <a:pt x="6724" y="20639"/>
-                  <a:pt x="2882" y="16796"/>
-                </a:cubicBezTo>
-                <a:cubicBezTo>
-                  <a:pt x="-961" y="12954"/>
-                  <a:pt x="-961" y="6724"/>
-                  <a:pt x="2882" y="2882"/>
-                </a:cubicBezTo>
-                <a:cubicBezTo>
-                  <a:pt x="6724" y="-961"/>
-                  <a:pt x="12954" y="-961"/>
-                  <a:pt x="16796" y="2882"/>
-                </a:cubicBezTo>
-                <a:close/>
-              </a:path>
-            </a:pathLst>
-          </a:custGeom>
-          <a:ln w="25400">
-            <a:solidFill>
-              <a:srgbClr val="85888D"/>
-            </a:solidFill>
-            <a:miter lim="400000"/>
-          </a:ln>
-          <a:extLst>
-            <a:ext uri="{C572A759-6A51-4108-AA02-DFA0A04FC94B}">
-              <ma14:wrappingTextBoxFlag xmlns:ma14="http://schemas.microsoft.com/office/mac/drawingml/2011/main" val="1"/>
-            </a:ext>
-          </a:extLst>
-        </p:spPr>
-        <p:txBody>
-          <a:bodyPr lIns="50800" tIns="50800" rIns="50800" bIns="50800" anchor="ctr"/>
-          <a:lstStyle>
-            <a:lvl1pPr>
-              <a:defRPr sz="1800" b="1">
-                <a:latin typeface="Helvetica"/>
-                <a:ea typeface="Helvetica"/>
-                <a:cs typeface="Helvetica"/>
-                <a:sym typeface="Helvetica"/>
-              </a:defRPr>
-            </a:lvl1pPr>
-          </a:lstStyle>
-          <a:p>
-            <a:pPr lvl="0">
-              <a:defRPr b="0"/>
-            </a:pPr>
-            <a:r>
-              <a:rPr b="1"/>
-              <a:t>2</a:t>
-            </a:r>
-          </a:p>
-        </p:txBody>
-      </p:sp>
-      <p:sp>
-        <p:nvSpPr>
-          <p:cNvPr id="148" name="Shape 148"/>
-          <p:cNvSpPr/>
-          <p:nvPr/>
-        </p:nvSpPr>
-        <p:spPr>
-          <a:xfrm>
-            <a:off x="9157363" y="2854799"/>
-            <a:ext cx="533859" cy="552286"/>
-          </a:xfrm>
-          <a:custGeom>
-            <a:avLst/>
-            <a:gdLst/>
-            <a:ahLst/>
-            <a:cxnLst>
-              <a:cxn ang="0">
-                <a:pos x="wd2" y="hd2"/>
-              </a:cxn>
-              <a:cxn ang="5400000">
-                <a:pos x="wd2" y="hd2"/>
-              </a:cxn>
-              <a:cxn ang="10800000">
-                <a:pos x="wd2" y="hd2"/>
-              </a:cxn>
-              <a:cxn ang="16200000">
-                <a:pos x="wd2" y="hd2"/>
-              </a:cxn>
-            </a:cxnLst>
-            <a:rect l="0" t="0" r="r" b="b"/>
-            <a:pathLst>
-              <a:path w="19679" h="19679" extrusionOk="0">
-                <a:moveTo>
-                  <a:pt x="16796" y="2882"/>
-                </a:moveTo>
-                <a:cubicBezTo>
-                  <a:pt x="20639" y="6724"/>
-                  <a:pt x="20639" y="12954"/>
-                  <a:pt x="16796" y="16796"/>
-                </a:cubicBezTo>
-                <a:cubicBezTo>
-                  <a:pt x="12954" y="20639"/>
-                  <a:pt x="6724" y="20639"/>
-                  <a:pt x="2882" y="16796"/>
-                </a:cubicBezTo>
-                <a:cubicBezTo>
-                  <a:pt x="-961" y="12954"/>
-                  <a:pt x="-961" y="6724"/>
-                  <a:pt x="2882" y="2882"/>
-                </a:cubicBezTo>
-                <a:cubicBezTo>
-                  <a:pt x="6724" y="-961"/>
-                  <a:pt x="12954" y="-961"/>
-                  <a:pt x="16796" y="2882"/>
-                </a:cubicBezTo>
-                <a:close/>
-              </a:path>
-            </a:pathLst>
-          </a:custGeom>
-          <a:ln w="25400">
-            <a:solidFill>
-              <a:srgbClr val="85888D"/>
-            </a:solidFill>
-            <a:miter lim="400000"/>
-          </a:ln>
-          <a:extLst>
-            <a:ext uri="{C572A759-6A51-4108-AA02-DFA0A04FC94B}">
-              <ma14:wrappingTextBoxFlag xmlns:ma14="http://schemas.microsoft.com/office/mac/drawingml/2011/main" val="1"/>
-            </a:ext>
-          </a:extLst>
-        </p:spPr>
-        <p:txBody>
-          <a:bodyPr lIns="50800" tIns="50800" rIns="50800" bIns="50800" anchor="ctr"/>
-          <a:lstStyle>
-            <a:lvl1pPr>
-              <a:defRPr sz="1800" b="1">
-                <a:latin typeface="Helvetica"/>
-                <a:ea typeface="Helvetica"/>
-                <a:cs typeface="Helvetica"/>
-                <a:sym typeface="Helvetica"/>
-              </a:defRPr>
-            </a:lvl1pPr>
-          </a:lstStyle>
-          <a:p>
-            <a:pPr lvl="0">
-              <a:defRPr b="0"/>
-            </a:pPr>
-            <a:r>
-              <a:rPr b="1"/>
-              <a:t>3</a:t>
-            </a:r>
-          </a:p>
-        </p:txBody>
-      </p:sp>
-      <p:sp>
-        <p:nvSpPr>
-          <p:cNvPr id="149" name="Shape 149"/>
-          <p:cNvSpPr/>
-          <p:nvPr/>
-        </p:nvSpPr>
-        <p:spPr>
-          <a:xfrm>
-            <a:off x="8793064" y="3921599"/>
-            <a:ext cx="533859" cy="552286"/>
-          </a:xfrm>
-          <a:custGeom>
-            <a:avLst/>
-            <a:gdLst/>
-            <a:ahLst/>
-            <a:cxnLst>
-              <a:cxn ang="0">
-                <a:pos x="wd2" y="hd2"/>
-              </a:cxn>
-              <a:cxn ang="5400000">
-                <a:pos x="wd2" y="hd2"/>
-              </a:cxn>
-              <a:cxn ang="10800000">
-                <a:pos x="wd2" y="hd2"/>
-              </a:cxn>
-              <a:cxn ang="16200000">
-                <a:pos x="wd2" y="hd2"/>
-              </a:cxn>
-            </a:cxnLst>
-            <a:rect l="0" t="0" r="r" b="b"/>
-            <a:pathLst>
-              <a:path w="19679" h="19679" extrusionOk="0">
-                <a:moveTo>
-                  <a:pt x="16796" y="2882"/>
-                </a:moveTo>
-                <a:cubicBezTo>
-                  <a:pt x="20639" y="6724"/>
-                  <a:pt x="20639" y="12954"/>
-                  <a:pt x="16796" y="16796"/>
-                </a:cubicBezTo>
-                <a:cubicBezTo>
-                  <a:pt x="12954" y="20639"/>
-                  <a:pt x="6724" y="20639"/>
-                  <a:pt x="2882" y="16796"/>
-                </a:cubicBezTo>
-                <a:cubicBezTo>
-                  <a:pt x="-961" y="12954"/>
-                  <a:pt x="-961" y="6724"/>
-                  <a:pt x="2882" y="2882"/>
-                </a:cubicBezTo>
-                <a:cubicBezTo>
-                  <a:pt x="6724" y="-961"/>
-                  <a:pt x="12954" y="-961"/>
-                  <a:pt x="16796" y="2882"/>
-                </a:cubicBezTo>
-                <a:close/>
-              </a:path>
-            </a:pathLst>
-          </a:custGeom>
-          <a:ln w="25400">
-            <a:solidFill>
-              <a:srgbClr val="85888D"/>
-            </a:solidFill>
-            <a:miter lim="400000"/>
-          </a:ln>
-          <a:extLst>
-            <a:ext uri="{C572A759-6A51-4108-AA02-DFA0A04FC94B}">
-              <ma14:wrappingTextBoxFlag xmlns:ma14="http://schemas.microsoft.com/office/mac/drawingml/2011/main" val="1"/>
-            </a:ext>
-          </a:extLst>
-        </p:spPr>
-        <p:txBody>
-          <a:bodyPr lIns="50800" tIns="50800" rIns="50800" bIns="50800" anchor="ctr"/>
-          <a:lstStyle>
-            <a:lvl1pPr>
-              <a:defRPr sz="1800" b="1">
-                <a:latin typeface="Helvetica"/>
-                <a:ea typeface="Helvetica"/>
-                <a:cs typeface="Helvetica"/>
-                <a:sym typeface="Helvetica"/>
-              </a:defRPr>
-            </a:lvl1pPr>
-          </a:lstStyle>
-          <a:p>
-            <a:pPr lvl="0">
-              <a:defRPr b="0"/>
-            </a:pPr>
-            <a:r>
-              <a:rPr b="1"/>
-              <a:t>2</a:t>
-            </a:r>
-          </a:p>
-        </p:txBody>
-      </p:sp>
-      <p:sp>
-        <p:nvSpPr>
-          <p:cNvPr id="150" name="Shape 150"/>
-          <p:cNvSpPr/>
-          <p:nvPr/>
-        </p:nvSpPr>
-        <p:spPr>
-          <a:xfrm>
-            <a:off x="6034617" y="4606638"/>
-            <a:ext cx="533859" cy="552287"/>
-          </a:xfrm>
-          <a:custGeom>
-            <a:avLst/>
-            <a:gdLst/>
-            <a:ahLst/>
-            <a:cxnLst>
-              <a:cxn ang="0">
-                <a:pos x="wd2" y="hd2"/>
-              </a:cxn>
-              <a:cxn ang="5400000">
-                <a:pos x="wd2" y="hd2"/>
-              </a:cxn>
-              <a:cxn ang="10800000">
-                <a:pos x="wd2" y="hd2"/>
-              </a:cxn>
-              <a:cxn ang="16200000">
-                <a:pos x="wd2" y="hd2"/>
-              </a:cxn>
-            </a:cxnLst>
-            <a:rect l="0" t="0" r="r" b="b"/>
-            <a:pathLst>
-              <a:path w="19679" h="19679" extrusionOk="0">
-                <a:moveTo>
-                  <a:pt x="16796" y="2882"/>
-                </a:moveTo>
-                <a:cubicBezTo>
-                  <a:pt x="20639" y="6724"/>
-                  <a:pt x="20639" y="12954"/>
-                  <a:pt x="16796" y="16796"/>
-                </a:cubicBezTo>
-                <a:cubicBezTo>
-                  <a:pt x="12954" y="20639"/>
-                  <a:pt x="6724" y="20639"/>
-                  <a:pt x="2882" y="16796"/>
-                </a:cubicBezTo>
-                <a:cubicBezTo>
-                  <a:pt x="-961" y="12954"/>
-                  <a:pt x="-961" y="6724"/>
-                  <a:pt x="2882" y="2882"/>
-                </a:cubicBezTo>
-                <a:cubicBezTo>
-                  <a:pt x="6724" y="-961"/>
-                  <a:pt x="12954" y="-961"/>
-                  <a:pt x="16796" y="2882"/>
-                </a:cubicBezTo>
-                <a:close/>
-              </a:path>
-            </a:pathLst>
-          </a:custGeom>
-          <a:ln w="25400">
-            <a:solidFill>
-              <a:srgbClr val="85888D"/>
-            </a:solidFill>
-            <a:miter lim="400000"/>
-          </a:ln>
-          <a:extLst>
-            <a:ext uri="{C572A759-6A51-4108-AA02-DFA0A04FC94B}">
-              <ma14:wrappingTextBoxFlag xmlns:ma14="http://schemas.microsoft.com/office/mac/drawingml/2011/main" val="1"/>
-            </a:ext>
-          </a:extLst>
-        </p:spPr>
-        <p:txBody>
-          <a:bodyPr lIns="50800" tIns="50800" rIns="50800" bIns="50800" anchor="ctr"/>
-          <a:lstStyle>
-            <a:lvl1pPr>
-              <a:defRPr sz="1800" b="1">
-                <a:latin typeface="Helvetica"/>
-                <a:ea typeface="Helvetica"/>
-                <a:cs typeface="Helvetica"/>
-                <a:sym typeface="Helvetica"/>
-              </a:defRPr>
-            </a:lvl1pPr>
-          </a:lstStyle>
-          <a:p>
-            <a:pPr lvl="0">
-              <a:defRPr b="0"/>
-            </a:pPr>
-            <a:r>
-              <a:rPr b="1"/>
-              <a:t>4</a:t>
-            </a:r>
-          </a:p>
-        </p:txBody>
-      </p:sp>
-      <p:sp>
-        <p:nvSpPr>
-          <p:cNvPr id="151" name="Shape 151"/>
-          <p:cNvSpPr/>
-          <p:nvPr/>
-        </p:nvSpPr>
-        <p:spPr>
-          <a:xfrm>
-            <a:off x="1797660" y="2609692"/>
-            <a:ext cx="533859" cy="552286"/>
-          </a:xfrm>
-          <a:custGeom>
-            <a:avLst/>
-            <a:gdLst/>
-            <a:ahLst/>
-            <a:cxnLst>
-              <a:cxn ang="0">
-                <a:pos x="wd2" y="hd2"/>
-              </a:cxn>
-              <a:cxn ang="5400000">
-                <a:pos x="wd2" y="hd2"/>
-              </a:cxn>
-              <a:cxn ang="10800000">
-                <a:pos x="wd2" y="hd2"/>
-              </a:cxn>
-              <a:cxn ang="16200000">
-                <a:pos x="wd2" y="hd2"/>
-              </a:cxn>
-            </a:cxnLst>
-            <a:rect l="0" t="0" r="r" b="b"/>
-            <a:pathLst>
-              <a:path w="19679" h="19679" extrusionOk="0">
-                <a:moveTo>
-                  <a:pt x="16796" y="2882"/>
-                </a:moveTo>
-                <a:cubicBezTo>
-                  <a:pt x="20639" y="6724"/>
-                  <a:pt x="20639" y="12954"/>
-                  <a:pt x="16796" y="16796"/>
-                </a:cubicBezTo>
-                <a:cubicBezTo>
-                  <a:pt x="12954" y="20639"/>
-                  <a:pt x="6724" y="20639"/>
-                  <a:pt x="2882" y="16796"/>
-                </a:cubicBezTo>
-                <a:cubicBezTo>
-                  <a:pt x="-961" y="12954"/>
-                  <a:pt x="-961" y="6724"/>
-                  <a:pt x="2882" y="2882"/>
-                </a:cubicBezTo>
-                <a:cubicBezTo>
-                  <a:pt x="6724" y="-961"/>
-                  <a:pt x="12954" y="-961"/>
-                  <a:pt x="16796" y="2882"/>
-                </a:cubicBezTo>
-                <a:close/>
-              </a:path>
-            </a:pathLst>
-          </a:custGeom>
-          <a:ln w="25400">
-            <a:solidFill>
-              <a:srgbClr val="85888D"/>
-            </a:solidFill>
-            <a:miter lim="400000"/>
-          </a:ln>
-          <a:extLst>
-            <a:ext uri="{C572A759-6A51-4108-AA02-DFA0A04FC94B}">
-              <ma14:wrappingTextBoxFlag xmlns:ma14="http://schemas.microsoft.com/office/mac/drawingml/2011/main" val="1"/>
-            </a:ext>
-          </a:extLst>
-        </p:spPr>
-        <p:txBody>
-          <a:bodyPr lIns="50800" tIns="50800" rIns="50800" bIns="50800" anchor="ctr"/>
-          <a:lstStyle>
-            <a:lvl1pPr>
-              <a:defRPr sz="1800" b="1">
-                <a:latin typeface="Helvetica"/>
-                <a:ea typeface="Helvetica"/>
-                <a:cs typeface="Helvetica"/>
-                <a:sym typeface="Helvetica"/>
-              </a:defRPr>
-            </a:lvl1pPr>
-          </a:lstStyle>
-          <a:p>
-            <a:pPr lvl="0">
-              <a:defRPr b="0"/>
-            </a:pPr>
-            <a:r>
-              <a:rPr b="1"/>
-              <a:t>1</a:t>
-            </a:r>
-          </a:p>
-        </p:txBody>
-      </p:sp>
-      <p:sp>
-        <p:nvSpPr>
-          <p:cNvPr id="152" name="Shape 152"/>
-          <p:cNvSpPr/>
-          <p:nvPr/>
-        </p:nvSpPr>
-        <p:spPr>
-          <a:xfrm>
-            <a:off x="10263473" y="1109662"/>
-            <a:ext cx="2069770" cy="1011238"/>
-          </a:xfrm>
-          <a:prstGeom prst="roundRect">
-            <a:avLst>
-              <a:gd name="adj" fmla="val 18838"/>
-            </a:avLst>
-          </a:prstGeom>
-          <a:solidFill>
-            <a:srgbClr val="70BF41"/>
-          </a:solidFill>
-          <a:ln w="12700">
-            <a:miter lim="400000"/>
-          </a:ln>
-          <a:effectLst>
-            <a:outerShdw blurRad="38100" dist="25400" dir="5400000" rotWithShape="0">
-              <a:srgbClr val="000000">
-                <a:alpha val="50000"/>
-              </a:srgbClr>
-            </a:outerShdw>
-          </a:effectLst>
-          <a:extLst>
-            <a:ext uri="{C572A759-6A51-4108-AA02-DFA0A04FC94B}">
-              <ma14:wrappingTextBoxFlag xmlns:ma14="http://schemas.microsoft.com/office/mac/drawingml/2011/main" val="1"/>
-            </a:ext>
-          </a:extLst>
-        </p:spPr>
+        <p:style>
+          <a:lnRef idx="2">
+            <a:schemeClr val="dk1"/>
+          </a:lnRef>
+          <a:fillRef idx="1">
+            <a:schemeClr val="lt1"/>
+          </a:fillRef>
+          <a:effectRef idx="0">
+            <a:schemeClr val="dk1"/>
+          </a:effectRef>
+          <a:fontRef idx="minor">
+            <a:schemeClr val="dk1"/>
+          </a:fontRef>
+        </p:style>
         <p:txBody>
           <a:bodyPr lIns="0" tIns="0" rIns="0" bIns="0" anchor="ctr"/>
           <a:lstStyle>
@@ -6747,116 +7755,66 @@
               </a:defRPr>
             </a:pPr>
             <a:r>
-              <a:rPr sz="2400" b="1">
+              <a:rPr lang="en-US" sz="2400" b="1" dirty="0" err="1" smtClean="0">
                 <a:solidFill>
-                  <a:srgbClr val="FFFFFF"/>
+                  <a:srgbClr val="000000"/>
                 </a:solidFill>
               </a:rPr>
-              <a:t>Log</a:t>
+              <a:t>Deduplicator</a:t>
             </a:r>
+            <a:endParaRPr sz="2400" b="1" dirty="0">
+              <a:solidFill>
+                <a:srgbClr val="000000"/>
+              </a:solidFill>
+            </a:endParaRPr>
           </a:p>
         </p:txBody>
       </p:sp>
-      <p:pic>
-        <p:nvPicPr>
-          <p:cNvPr id="153" name="Picture 152"/>
-          <p:cNvPicPr/>
-          <p:nvPr/>
-        </p:nvPicPr>
-        <p:blipFill>
-          <a:blip r:embed="rId12">
-            <a:extLst/>
-          </a:blip>
-          <a:stretch>
-            <a:fillRect/>
-          </a:stretch>
-        </p:blipFill>
-        <p:spPr>
-          <a:xfrm rot="21600000">
-            <a:off x="8264879" y="1492074"/>
-            <a:ext cx="1917396" cy="246565"/>
-          </a:xfrm>
-          <a:prstGeom prst="rect">
-            <a:avLst/>
-          </a:prstGeom>
-        </p:spPr>
-      </p:pic>
       <p:sp>
         <p:nvSpPr>
-          <p:cNvPr id="155" name="Shape 155"/>
+          <p:cNvPr id="68" name="Shape 131"/>
           <p:cNvSpPr/>
           <p:nvPr/>
         </p:nvSpPr>
         <p:spPr>
           <a:xfrm>
-            <a:off x="8651426" y="751258"/>
-            <a:ext cx="1116367" cy="552287"/>
-          </a:xfrm>
-          <a:custGeom>
-            <a:avLst/>
-            <a:gdLst/>
-            <a:ahLst/>
-            <a:cxnLst>
-              <a:cxn ang="0">
-                <a:pos x="wd2" y="hd2"/>
-              </a:cxn>
-              <a:cxn ang="5400000">
-                <a:pos x="wd2" y="hd2"/>
-              </a:cxn>
-              <a:cxn ang="10800000">
-                <a:pos x="wd2" y="hd2"/>
-              </a:cxn>
-              <a:cxn ang="16200000">
-                <a:pos x="wd2" y="hd2"/>
-              </a:cxn>
-            </a:cxnLst>
-            <a:rect l="0" t="0" r="r" b="b"/>
-            <a:pathLst>
-              <a:path w="19679" h="19679" extrusionOk="0">
-                <a:moveTo>
-                  <a:pt x="16796" y="2882"/>
-                </a:moveTo>
-                <a:cubicBezTo>
-                  <a:pt x="20639" y="6724"/>
-                  <a:pt x="20639" y="12954"/>
-                  <a:pt x="16796" y="16796"/>
-                </a:cubicBezTo>
-                <a:cubicBezTo>
-                  <a:pt x="12954" y="20639"/>
-                  <a:pt x="6724" y="20639"/>
-                  <a:pt x="2882" y="16796"/>
-                </a:cubicBezTo>
-                <a:cubicBezTo>
-                  <a:pt x="-961" y="12954"/>
-                  <a:pt x="-961" y="6724"/>
-                  <a:pt x="2882" y="2882"/>
-                </a:cubicBezTo>
-                <a:cubicBezTo>
-                  <a:pt x="6724" y="-961"/>
-                  <a:pt x="12954" y="-961"/>
-                  <a:pt x="16796" y="2882"/>
-                </a:cubicBezTo>
-                <a:close/>
-              </a:path>
-            </a:pathLst>
-          </a:custGeom>
-          <a:ln w="25400">
-            <a:solidFill>
-              <a:srgbClr val="85888D"/>
-            </a:solidFill>
-            <a:miter lim="400000"/>
-          </a:ln>
+            <a:off x="6762215" y="2411938"/>
+            <a:ext cx="1920975" cy="640364"/>
+          </a:xfrm>
+          <a:prstGeom prst="roundRect">
+            <a:avLst>
+              <a:gd name="adj" fmla="val 21962"/>
+            </a:avLst>
+          </a:prstGeom>
+          <a:ln/>
           <a:extLst>
             <a:ext uri="{C572A759-6A51-4108-AA02-DFA0A04FC94B}">
               <ma14:wrappingTextBoxFlag xmlns:ma14="http://schemas.microsoft.com/office/mac/drawingml/2011/main" val="1"/>
             </a:ext>
           </a:extLst>
         </p:spPr>
+        <p:style>
+          <a:lnRef idx="2">
+            <a:schemeClr val="dk1"/>
+          </a:lnRef>
+          <a:fillRef idx="1">
+            <a:schemeClr val="lt1"/>
+          </a:fillRef>
+          <a:effectRef idx="0">
+            <a:schemeClr val="dk1"/>
+          </a:effectRef>
+          <a:fontRef idx="minor">
+            <a:schemeClr val="dk1"/>
+          </a:fontRef>
+        </p:style>
         <p:txBody>
-          <a:bodyPr lIns="50800" tIns="50800" rIns="50800" bIns="50800" anchor="ctr"/>
+          <a:bodyPr lIns="0" tIns="0" rIns="0" bIns="0" anchor="ctr"/>
           <a:lstStyle>
             <a:lvl1pPr>
-              <a:defRPr sz="1800" b="1">
+              <a:defRPr sz="2400" b="1">
+                <a:solidFill>
+                  <a:srgbClr val="FFFFFF"/>
+                </a:solidFill>
                 <a:latin typeface="Helvetica"/>
                 <a:ea typeface="Helvetica"/>
                 <a:cs typeface="Helvetica"/>
@@ -6866,26 +7824,397 @@
           </a:lstStyle>
           <a:p>
             <a:pPr lvl="0">
-              <a:defRPr b="0"/>
+              <a:defRPr sz="1800" b="0">
+                <a:solidFill>
+                  <a:srgbClr val="000000"/>
+                </a:solidFill>
+              </a:defRPr>
             </a:pPr>
             <a:r>
-              <a:rPr b="1"/>
-              <a:t>1,3,4</a:t>
+              <a:rPr lang="en-US" sz="2400" b="1" dirty="0" smtClean="0">
+                <a:solidFill>
+                  <a:srgbClr val="000000"/>
+                </a:solidFill>
+              </a:rPr>
+              <a:t>Generic</a:t>
             </a:r>
+            <a:endParaRPr sz="2400" b="1" dirty="0">
+              <a:solidFill>
+                <a:srgbClr val="000000"/>
+              </a:solidFill>
+            </a:endParaRPr>
           </a:p>
         </p:txBody>
       </p:sp>
+      <p:pic>
+        <p:nvPicPr>
+          <p:cNvPr id="104" name="Screen Shot 2015-03-02 at 18.51.21.png"/>
+          <p:cNvPicPr/>
+          <p:nvPr/>
+        </p:nvPicPr>
+        <p:blipFill>
+          <a:blip r:embed="rId6">
+            <a:extLst/>
+          </a:blip>
+          <a:stretch>
+            <a:fillRect/>
+          </a:stretch>
+        </p:blipFill>
+        <p:spPr>
+          <a:xfrm>
+            <a:off x="203420" y="5425970"/>
+            <a:ext cx="8212017" cy="4154917"/>
+          </a:xfrm>
+          <a:prstGeom prst="rect">
+            <a:avLst/>
+          </a:prstGeom>
+          <a:ln w="25400">
+            <a:miter lim="400000"/>
+          </a:ln>
+          <a:effectLst>
+            <a:outerShdw blurRad="254000" dist="127000" dir="5400000" rotWithShape="0">
+              <a:srgbClr val="000000">
+                <a:alpha val="70000"/>
+              </a:srgbClr>
+            </a:outerShdw>
+          </a:effectLst>
+        </p:spPr>
+      </p:pic>
+      <p:cxnSp>
+        <p:nvCxnSpPr>
+          <p:cNvPr id="85" name="Straight Arrow Connector 84"/>
+          <p:cNvCxnSpPr>
+            <a:stCxn id="27" idx="3"/>
+            <a:endCxn id="40" idx="1"/>
+          </p:cNvCxnSpPr>
+          <p:nvPr/>
+        </p:nvCxnSpPr>
+        <p:spPr>
+          <a:xfrm>
+            <a:off x="5944746" y="1806690"/>
+            <a:ext cx="417953" cy="4308"/>
+          </a:xfrm>
+          <a:prstGeom prst="straightConnector1">
+            <a:avLst/>
+          </a:prstGeom>
+          <a:noFill/>
+          <a:ln w="25400" cap="flat">
+            <a:solidFill>
+              <a:srgbClr val="000000"/>
+            </a:solidFill>
+            <a:prstDash val="solid"/>
+            <a:miter lim="400000"/>
+            <a:tailEnd type="arrow"/>
+          </a:ln>
+          <a:effectLst/>
+        </p:spPr>
+        <p:style>
+          <a:lnRef idx="0">
+            <a:scrgbClr r="0" g="0" b="0"/>
+          </a:lnRef>
+          <a:fillRef idx="0">
+            <a:scrgbClr r="0" g="0" b="0"/>
+          </a:fillRef>
+          <a:effectRef idx="0">
+            <a:scrgbClr r="0" g="0" b="0"/>
+          </a:effectRef>
+          <a:fontRef idx="none"/>
+        </p:style>
+      </p:cxnSp>
+      <p:cxnSp>
+        <p:nvCxnSpPr>
+          <p:cNvPr id="87" name="Straight Arrow Connector 86"/>
+          <p:cNvCxnSpPr>
+            <a:stCxn id="28" idx="3"/>
+            <a:endCxn id="43" idx="1"/>
+          </p:cNvCxnSpPr>
+          <p:nvPr/>
+        </p:nvCxnSpPr>
+        <p:spPr>
+          <a:xfrm>
+            <a:off x="6030242" y="4460120"/>
+            <a:ext cx="3849276" cy="0"/>
+          </a:xfrm>
+          <a:prstGeom prst="straightConnector1">
+            <a:avLst/>
+          </a:prstGeom>
+          <a:noFill/>
+          <a:ln w="25400" cap="flat">
+            <a:solidFill>
+              <a:srgbClr val="000000"/>
+            </a:solidFill>
+            <a:prstDash val="solid"/>
+            <a:miter lim="400000"/>
+            <a:tailEnd type="arrow"/>
+          </a:ln>
+          <a:effectLst/>
+        </p:spPr>
+        <p:style>
+          <a:lnRef idx="0">
+            <a:scrgbClr r="0" g="0" b="0"/>
+          </a:lnRef>
+          <a:fillRef idx="0">
+            <a:scrgbClr r="0" g="0" b="0"/>
+          </a:fillRef>
+          <a:effectRef idx="0">
+            <a:scrgbClr r="0" g="0" b="0"/>
+          </a:effectRef>
+          <a:fontRef idx="none"/>
+        </p:style>
+      </p:cxnSp>
+      <p:cxnSp>
+        <p:nvCxnSpPr>
+          <p:cNvPr id="89" name="Straight Arrow Connector 88"/>
+          <p:cNvCxnSpPr>
+            <a:stCxn id="27" idx="3"/>
+            <a:endCxn id="68" idx="1"/>
+          </p:cNvCxnSpPr>
+          <p:nvPr/>
+        </p:nvCxnSpPr>
+        <p:spPr>
+          <a:xfrm>
+            <a:off x="5944746" y="1806690"/>
+            <a:ext cx="817469" cy="925430"/>
+          </a:xfrm>
+          <a:prstGeom prst="straightConnector1">
+            <a:avLst/>
+          </a:prstGeom>
+          <a:noFill/>
+          <a:ln w="25400" cap="flat">
+            <a:solidFill>
+              <a:srgbClr val="000000"/>
+            </a:solidFill>
+            <a:prstDash val="solid"/>
+            <a:miter lim="400000"/>
+            <a:tailEnd type="arrow"/>
+          </a:ln>
+          <a:effectLst/>
+        </p:spPr>
+        <p:style>
+          <a:lnRef idx="0">
+            <a:scrgbClr r="0" g="0" b="0"/>
+          </a:lnRef>
+          <a:fillRef idx="0">
+            <a:scrgbClr r="0" g="0" b="0"/>
+          </a:fillRef>
+          <a:effectRef idx="0">
+            <a:scrgbClr r="0" g="0" b="0"/>
+          </a:effectRef>
+          <a:fontRef idx="none"/>
+        </p:style>
+      </p:cxnSp>
+      <p:cxnSp>
+        <p:nvCxnSpPr>
+          <p:cNvPr id="91" name="Straight Connector 90"/>
+          <p:cNvCxnSpPr>
+            <a:stCxn id="68" idx="3"/>
+          </p:cNvCxnSpPr>
+          <p:nvPr/>
+        </p:nvCxnSpPr>
+        <p:spPr>
+          <a:xfrm flipV="1">
+            <a:off x="8683190" y="2411938"/>
+            <a:ext cx="2156816" cy="320182"/>
+          </a:xfrm>
+          <a:prstGeom prst="line">
+            <a:avLst/>
+          </a:prstGeom>
+          <a:noFill/>
+          <a:ln w="25400" cap="flat">
+            <a:solidFill>
+              <a:srgbClr val="000000"/>
+            </a:solidFill>
+            <a:prstDash val="solid"/>
+            <a:miter lim="400000"/>
+          </a:ln>
+          <a:effectLst/>
+        </p:spPr>
+        <p:style>
+          <a:lnRef idx="0">
+            <a:scrgbClr r="0" g="0" b="0"/>
+          </a:lnRef>
+          <a:fillRef idx="0">
+            <a:scrgbClr r="0" g="0" b="0"/>
+          </a:fillRef>
+          <a:effectRef idx="0">
+            <a:scrgbClr r="0" g="0" b="0"/>
+          </a:effectRef>
+          <a:fontRef idx="none"/>
+        </p:style>
+      </p:cxnSp>
+      <p:cxnSp>
+        <p:nvCxnSpPr>
+          <p:cNvPr id="93" name="Straight Connector 92"/>
+          <p:cNvCxnSpPr>
+            <a:stCxn id="36" idx="3"/>
+          </p:cNvCxnSpPr>
+          <p:nvPr/>
+        </p:nvCxnSpPr>
+        <p:spPr>
+          <a:xfrm>
+            <a:off x="9130464" y="1806690"/>
+            <a:ext cx="1709542" cy="605248"/>
+          </a:xfrm>
+          <a:prstGeom prst="line">
+            <a:avLst/>
+          </a:prstGeom>
+          <a:noFill/>
+          <a:ln w="25400" cap="flat">
+            <a:solidFill>
+              <a:srgbClr val="000000"/>
+            </a:solidFill>
+            <a:prstDash val="solid"/>
+            <a:miter lim="400000"/>
+          </a:ln>
+          <a:effectLst/>
+        </p:spPr>
+        <p:style>
+          <a:lnRef idx="0">
+            <a:scrgbClr r="0" g="0" b="0"/>
+          </a:lnRef>
+          <a:fillRef idx="0">
+            <a:scrgbClr r="0" g="0" b="0"/>
+          </a:fillRef>
+          <a:effectRef idx="0">
+            <a:scrgbClr r="0" g="0" b="0"/>
+          </a:effectRef>
+          <a:fontRef idx="none"/>
+        </p:style>
+      </p:cxnSp>
+      <p:cxnSp>
+        <p:nvCxnSpPr>
+          <p:cNvPr id="95" name="Straight Arrow Connector 94"/>
+          <p:cNvCxnSpPr>
+            <a:endCxn id="43" idx="0"/>
+          </p:cNvCxnSpPr>
+          <p:nvPr/>
+        </p:nvCxnSpPr>
+        <p:spPr>
+          <a:xfrm>
+            <a:off x="10840006" y="2411938"/>
+            <a:ext cx="0" cy="1728000"/>
+          </a:xfrm>
+          <a:prstGeom prst="straightConnector1">
+            <a:avLst/>
+          </a:prstGeom>
+          <a:noFill/>
+          <a:ln w="25400" cap="flat">
+            <a:solidFill>
+              <a:srgbClr val="000000"/>
+            </a:solidFill>
+            <a:prstDash val="solid"/>
+            <a:miter lim="400000"/>
+            <a:tailEnd type="arrow"/>
+          </a:ln>
+          <a:effectLst/>
+        </p:spPr>
+        <p:style>
+          <a:lnRef idx="0">
+            <a:scrgbClr r="0" g="0" b="0"/>
+          </a:lnRef>
+          <a:fillRef idx="0">
+            <a:scrgbClr r="0" g="0" b="0"/>
+          </a:fillRef>
+          <a:effectRef idx="0">
+            <a:scrgbClr r="0" g="0" b="0"/>
+          </a:effectRef>
+          <a:fontRef idx="none"/>
+        </p:style>
+      </p:cxnSp>
+      <p:cxnSp>
+        <p:nvCxnSpPr>
+          <p:cNvPr id="100" name="Straight Arrow Connector 99"/>
+          <p:cNvCxnSpPr>
+            <a:stCxn id="43" idx="2"/>
+            <a:endCxn id="56" idx="0"/>
+          </p:cNvCxnSpPr>
+          <p:nvPr/>
+        </p:nvCxnSpPr>
+        <p:spPr>
+          <a:xfrm>
+            <a:off x="10840006" y="4780302"/>
+            <a:ext cx="0" cy="2634248"/>
+          </a:xfrm>
+          <a:prstGeom prst="straightConnector1">
+            <a:avLst/>
+          </a:prstGeom>
+          <a:noFill/>
+          <a:ln w="25400" cap="flat">
+            <a:solidFill>
+              <a:srgbClr val="000000"/>
+            </a:solidFill>
+            <a:prstDash val="solid"/>
+            <a:miter lim="400000"/>
+            <a:tailEnd type="arrow"/>
+          </a:ln>
+          <a:effectLst/>
+        </p:spPr>
+        <p:style>
+          <a:lnRef idx="0">
+            <a:scrgbClr r="0" g="0" b="0"/>
+          </a:lnRef>
+          <a:fillRef idx="0">
+            <a:scrgbClr r="0" g="0" b="0"/>
+          </a:fillRef>
+          <a:effectRef idx="0">
+            <a:scrgbClr r="0" g="0" b="0"/>
+          </a:effectRef>
+          <a:fontRef idx="none"/>
+        </p:style>
+      </p:cxnSp>
+      <p:cxnSp>
+        <p:nvCxnSpPr>
+          <p:cNvPr id="102" name="Straight Arrow Connector 101"/>
+          <p:cNvCxnSpPr>
+            <a:stCxn id="56" idx="1"/>
+          </p:cNvCxnSpPr>
+          <p:nvPr/>
+        </p:nvCxnSpPr>
+        <p:spPr>
+          <a:xfrm flipH="1">
+            <a:off x="8683190" y="7734732"/>
+            <a:ext cx="1110832" cy="0"/>
+          </a:xfrm>
+          <a:prstGeom prst="straightConnector1">
+            <a:avLst/>
+          </a:prstGeom>
+          <a:noFill/>
+          <a:ln w="25400" cap="flat">
+            <a:solidFill>
+              <a:srgbClr val="000000"/>
+            </a:solidFill>
+            <a:prstDash val="solid"/>
+            <a:miter lim="400000"/>
+            <a:tailEnd type="arrow"/>
+          </a:ln>
+          <a:effectLst/>
+        </p:spPr>
+        <p:style>
+          <a:lnRef idx="0">
+            <a:scrgbClr r="0" g="0" b="0"/>
+          </a:lnRef>
+          <a:fillRef idx="0">
+            <a:scrgbClr r="0" g="0" b="0"/>
+          </a:fillRef>
+          <a:effectRef idx="0">
+            <a:scrgbClr r="0" g="0" b="0"/>
+          </a:effectRef>
+          <a:fontRef idx="none"/>
+        </p:style>
+      </p:cxnSp>
     </p:spTree>
-    <p:extLst>
-      <p:ext uri="{BB962C8B-B14F-4D97-AF65-F5344CB8AC3E}">
-        <p14:creationId xmlns:p14="http://schemas.microsoft.com/office/powerpoint/2010/main" val="1423159512"/>
-      </p:ext>
-    </p:extLst>
   </p:cSld>
   <p:clrMapOvr>
     <a:masterClrMapping/>
   </p:clrMapOvr>
   <p:transition xmlns:p14="http://schemas.microsoft.com/office/powerpoint/2010/main" spd="med"/>
+  <p:timing>
+    <p:tnLst>
+      <p:par>
+        <p:cTn xmlns:p14="http://schemas.microsoft.com/office/powerpoint/2010/main" id="1" dur="indefinite" restart="never" nodeType="tmRoot"/>
+      </p:par>
+    </p:tnLst>
+  </p:timing>
 </p:sld>
 </file>
 
@@ -6906,147 +8235,140 @@
           <a:chExt cx="0" cy="0"/>
         </a:xfrm>
       </p:grpSpPr>
-      <p:pic>
-        <p:nvPicPr>
-          <p:cNvPr id="214" name="Screen Shot 2015-03-03 at 09.28.07.png"/>
-          <p:cNvPicPr/>
+      <p:sp>
+        <p:nvSpPr>
+          <p:cNvPr id="2" name="TextBox 1"/>
+          <p:cNvSpPr txBox="1"/>
           <p:nvPr/>
-        </p:nvPicPr>
-        <p:blipFill>
-          <a:blip r:embed="rId2">
-            <a:extLst/>
-          </a:blip>
-          <a:stretch>
-            <a:fillRect/>
-          </a:stretch>
-        </p:blipFill>
+        </p:nvSpPr>
         <p:spPr>
           <a:xfrm>
-            <a:off x="212160" y="3387880"/>
-            <a:ext cx="5549837" cy="2695409"/>
+            <a:off x="4918428" y="3902703"/>
+            <a:ext cx="2411832" cy="1210588"/>
           </a:xfrm>
           <a:prstGeom prst="rect">
             <a:avLst/>
           </a:prstGeom>
-          <a:ln w="12700">
+          <a:noFill/>
+          <a:ln w="12700" cap="flat">
+            <a:noFill/>
             <a:miter lim="400000"/>
           </a:ln>
-        </p:spPr>
-      </p:pic>
-      <p:pic>
-        <p:nvPicPr>
-          <p:cNvPr id="215" name="Screen Shot 2015-03-03 at 09.27.53.png"/>
-          <p:cNvPicPr/>
-          <p:nvPr/>
-        </p:nvPicPr>
-        <p:blipFill>
-          <a:blip r:embed="rId3">
-            <a:extLst/>
-          </a:blip>
-          <a:stretch>
-            <a:fillRect/>
-          </a:stretch>
-        </p:blipFill>
-        <p:spPr>
-          <a:xfrm>
-            <a:off x="212160" y="1119349"/>
-            <a:ext cx="5549837" cy="1906005"/>
-          </a:xfrm>
-          <a:prstGeom prst="rect">
-            <a:avLst/>
-          </a:prstGeom>
-          <a:ln w="12700">
-            <a:miter lim="400000"/>
-          </a:ln>
-        </p:spPr>
-      </p:pic>
-      <p:pic>
-        <p:nvPicPr>
-          <p:cNvPr id="216" name="Screen Shot 2015-03-03 at 09.28.18.png"/>
-          <p:cNvPicPr/>
-          <p:nvPr/>
-        </p:nvPicPr>
-        <p:blipFill>
-          <a:blip r:embed="rId4">
-            <a:extLst/>
-          </a:blip>
-          <a:stretch>
-            <a:fillRect/>
-          </a:stretch>
-        </p:blipFill>
-        <p:spPr>
-          <a:xfrm>
-            <a:off x="6057408" y="3022800"/>
-            <a:ext cx="6583383" cy="2307969"/>
-          </a:xfrm>
-          <a:prstGeom prst="rect">
-            <a:avLst/>
-          </a:prstGeom>
-          <a:ln w="12700">
-            <a:miter lim="400000"/>
-          </a:ln>
-        </p:spPr>
-      </p:pic>
-      <p:pic>
-        <p:nvPicPr>
-          <p:cNvPr id="217" name="Screen Shot 2015-03-03 at 09.28.35.png"/>
-          <p:cNvPicPr/>
-          <p:nvPr/>
-        </p:nvPicPr>
-        <p:blipFill>
-          <a:blip r:embed="rId5">
-            <a:extLst/>
-          </a:blip>
-          <a:stretch>
-            <a:fillRect/>
-          </a:stretch>
-        </p:blipFill>
-        <p:spPr>
-          <a:xfrm>
-            <a:off x="6176210" y="443523"/>
-            <a:ext cx="6600057" cy="2257163"/>
-          </a:xfrm>
-          <a:prstGeom prst="rect">
-            <a:avLst/>
-          </a:prstGeom>
-          <a:ln w="12700">
-            <a:miter lim="400000"/>
-          </a:ln>
-        </p:spPr>
-      </p:pic>
-      <p:pic>
-        <p:nvPicPr>
-          <p:cNvPr id="218" name="Screen Shot 2015-03-03 at 09.32.23.png"/>
-          <p:cNvPicPr/>
-          <p:nvPr/>
-        </p:nvPicPr>
-        <p:blipFill>
-          <a:blip r:embed="rId6">
-            <a:extLst/>
-          </a:blip>
-          <a:stretch>
-            <a:fillRect/>
-          </a:stretch>
-        </p:blipFill>
-        <p:spPr>
-          <a:xfrm>
-            <a:off x="3505934" y="6445814"/>
-            <a:ext cx="7826832" cy="2695409"/>
-          </a:xfrm>
-          <a:prstGeom prst="rect">
-            <a:avLst/>
-          </a:prstGeom>
-          <a:ln w="12700">
-            <a:miter lim="400000"/>
-          </a:ln>
-        </p:spPr>
-      </p:pic>
+          <a:effectLst/>
+        </p:spPr>
+        <p:style>
+          <a:lnRef idx="0">
+            <a:scrgbClr r="0" g="0" b="0"/>
+          </a:lnRef>
+          <a:fillRef idx="0">
+            <a:scrgbClr r="0" g="0" b="0"/>
+          </a:fillRef>
+          <a:effectRef idx="0">
+            <a:scrgbClr r="0" g="0" b="0"/>
+          </a:effectRef>
+          <a:fontRef idx="none"/>
+        </p:style>
+        <p:txBody>
+          <a:bodyPr rot="0" spcFirstLastPara="1" vertOverflow="overflow" horzOverflow="overflow" vert="horz" wrap="none" lIns="50800" tIns="50800" rIns="50800" bIns="50800" numCol="1" spcCol="38100" rtlCol="0" anchor="ctr">
+            <a:spAutoFit/>
+          </a:bodyPr>
+          <a:lstStyle/>
+          <a:p>
+            <a:pPr marL="0" marR="0" indent="0" algn="ctr" defTabSz="584200" rtl="0" fontAlgn="auto" latinLnBrk="1" hangingPunct="0">
+              <a:lnSpc>
+                <a:spcPct val="100000"/>
+              </a:lnSpc>
+              <a:spcBef>
+                <a:spcPts val="0"/>
+              </a:spcBef>
+              <a:spcAft>
+                <a:spcPts val="0"/>
+              </a:spcAft>
+              <a:buClrTx/>
+              <a:buSzTx/>
+              <a:buFontTx/>
+              <a:buNone/>
+              <a:tabLst/>
+            </a:pPr>
+            <a:r>
+              <a:rPr lang="en-US" dirty="0" smtClean="0">
+                <a:solidFill>
+                  <a:srgbClr val="000000"/>
+                </a:solidFill>
+                <a:sym typeface="Wingdings"/>
+              </a:rPr>
+              <a:t></a:t>
+            </a:r>
+          </a:p>
+          <a:p>
+            <a:pPr marL="0" marR="0" indent="0" algn="ctr" defTabSz="584200" rtl="0" fontAlgn="auto" latinLnBrk="1" hangingPunct="0">
+              <a:lnSpc>
+                <a:spcPct val="100000"/>
+              </a:lnSpc>
+              <a:spcBef>
+                <a:spcPts val="0"/>
+              </a:spcBef>
+              <a:spcAft>
+                <a:spcPts val="0"/>
+              </a:spcAft>
+              <a:buClrTx/>
+              <a:buSzTx/>
+              <a:buFontTx/>
+              <a:buNone/>
+              <a:tabLst/>
+            </a:pPr>
+            <a:r>
+              <a:rPr kumimoji="0" lang="en-US" sz="3600" b="0" i="0" u="none" strike="noStrike" cap="none" spc="0" normalizeH="0" baseline="0" dirty="0" smtClean="0">
+                <a:ln>
+                  <a:noFill/>
+                </a:ln>
+                <a:solidFill>
+                  <a:srgbClr val="000000"/>
+                </a:solidFill>
+                <a:effectLst/>
+                <a:uFillTx/>
+                <a:latin typeface="+mn-lt"/>
+                <a:ea typeface="+mn-ea"/>
+                <a:cs typeface="+mn-cs"/>
+                <a:sym typeface="Wingdings"/>
+              </a:rPr>
+              <a:t>Questions?</a:t>
+            </a:r>
+            <a:endParaRPr kumimoji="0" lang="en-US" sz="3600" b="0" i="0" u="none" strike="noStrike" cap="none" spc="0" normalizeH="0" baseline="0" dirty="0">
+              <a:ln>
+                <a:noFill/>
+              </a:ln>
+              <a:solidFill>
+                <a:srgbClr val="000000"/>
+              </a:solidFill>
+              <a:effectLst/>
+              <a:uFillTx/>
+              <a:latin typeface="+mn-lt"/>
+              <a:ea typeface="+mn-ea"/>
+              <a:cs typeface="+mn-cs"/>
+              <a:sym typeface="Helvetica Light"/>
+            </a:endParaRPr>
+          </a:p>
+        </p:txBody>
+      </p:sp>
     </p:spTree>
+    <p:extLst>
+      <p:ext uri="{BB962C8B-B14F-4D97-AF65-F5344CB8AC3E}">
+        <p14:creationId xmlns:p14="http://schemas.microsoft.com/office/powerpoint/2010/main" val="3276895039"/>
+      </p:ext>
+    </p:extLst>
   </p:cSld>
   <p:clrMapOvr>
     <a:masterClrMapping/>
   </p:clrMapOvr>
   <p:transition xmlns:p14="http://schemas.microsoft.com/office/powerpoint/2010/main" spd="med"/>
+  <p:timing>
+    <p:tnLst>
+      <p:par>
+        <p:cTn xmlns:p14="http://schemas.microsoft.com/office/powerpoint/2010/main" id="1" dur="indefinite" restart="never" nodeType="tmRoot"/>
+      </p:par>
+    </p:tnLst>
+  </p:timing>
 </p:sld>
 </file>
 
